--- a/2018/graph_privacy_explainability/powerpoint/ExplainabilityVsPrivacy.pptx
+++ b/2018/graph_privacy_explainability/powerpoint/ExplainabilityVsPrivacy.pptx
@@ -108,6 +108,11 @@
       </a:defRPr>
     </a:lvl9pPr>
   </p:defaultTextStyle>
+  <p:extLst>
+    <p:ext uri="{EFAFB233-063F-42B5-8137-9DF3F51BA10A}">
+      <p15:sldGuideLst xmlns:p15="http://schemas.microsoft.com/office/powerpoint/2012/main"/>
+    </p:ext>
+  </p:extLst>
 </p:presentation>
 </file>
 
@@ -5841,6 +5846,1075 @@
           </a:p>
         </p:txBody>
       </p:sp>
+      <p:sp>
+        <p:nvSpPr>
+          <p:cNvPr id="3" name="Oval 2"/>
+          <p:cNvSpPr/>
+          <p:nvPr/>
+        </p:nvSpPr>
+        <p:spPr>
+          <a:xfrm>
+            <a:off x="4899713" y="1967187"/>
+            <a:ext cx="551663" cy="551663"/>
+          </a:xfrm>
+          <a:prstGeom prst="ellipse">
+            <a:avLst/>
+          </a:prstGeom>
+          <a:solidFill>
+            <a:schemeClr val="accent1">
+              <a:lumMod val="40000"/>
+              <a:lumOff val="60000"/>
+            </a:schemeClr>
+          </a:solidFill>
+        </p:spPr>
+        <p:style>
+          <a:lnRef idx="2">
+            <a:schemeClr val="accent1">
+              <a:shade val="50000"/>
+            </a:schemeClr>
+          </a:lnRef>
+          <a:fillRef idx="1">
+            <a:schemeClr val="accent1"/>
+          </a:fillRef>
+          <a:effectRef idx="0">
+            <a:schemeClr val="accent1"/>
+          </a:effectRef>
+          <a:fontRef idx="minor">
+            <a:schemeClr val="lt1"/>
+          </a:fontRef>
+        </p:style>
+        <p:txBody>
+          <a:bodyPr rtlCol="0" anchor="ctr"/>
+          <a:lstStyle/>
+          <a:p>
+            <a:pPr algn="ctr"/>
+            <a:r>
+              <a:rPr lang="en-US" sz="2800" b="1" dirty="0" smtClean="0">
+                <a:solidFill>
+                  <a:schemeClr val="bg1"/>
+                </a:solidFill>
+                <a:latin typeface="Bell MT" panose="02020503060305020303" pitchFamily="18" charset="0"/>
+              </a:rPr>
+              <a:t>A</a:t>
+            </a:r>
+            <a:endParaRPr lang="en-US" sz="2800" b="1" dirty="0">
+              <a:solidFill>
+                <a:schemeClr val="bg1"/>
+              </a:solidFill>
+              <a:latin typeface="Bell MT" panose="02020503060305020303" pitchFamily="18" charset="0"/>
+            </a:endParaRPr>
+          </a:p>
+        </p:txBody>
+      </p:sp>
+      <p:sp>
+        <p:nvSpPr>
+          <p:cNvPr id="5" name="Oval 4"/>
+          <p:cNvSpPr/>
+          <p:nvPr/>
+        </p:nvSpPr>
+        <p:spPr>
+          <a:xfrm>
+            <a:off x="8258420" y="2029332"/>
+            <a:ext cx="551663" cy="551663"/>
+          </a:xfrm>
+          <a:prstGeom prst="ellipse">
+            <a:avLst/>
+          </a:prstGeom>
+          <a:solidFill>
+            <a:schemeClr val="accent2"/>
+          </a:solidFill>
+        </p:spPr>
+        <p:style>
+          <a:lnRef idx="2">
+            <a:schemeClr val="accent1">
+              <a:shade val="50000"/>
+            </a:schemeClr>
+          </a:lnRef>
+          <a:fillRef idx="1">
+            <a:schemeClr val="accent1"/>
+          </a:fillRef>
+          <a:effectRef idx="0">
+            <a:schemeClr val="accent1"/>
+          </a:effectRef>
+          <a:fontRef idx="minor">
+            <a:schemeClr val="lt1"/>
+          </a:fontRef>
+        </p:style>
+        <p:txBody>
+          <a:bodyPr rtlCol="0" anchor="ctr"/>
+          <a:lstStyle/>
+          <a:p>
+            <a:pPr algn="ctr"/>
+            <a:r>
+              <a:rPr lang="en-US" sz="2800" b="1" dirty="0">
+                <a:solidFill>
+                  <a:schemeClr val="bg1"/>
+                </a:solidFill>
+                <a:latin typeface="Bell MT" panose="02020503060305020303" pitchFamily="18" charset="0"/>
+              </a:rPr>
+              <a:t>D</a:t>
+            </a:r>
+            <a:endParaRPr lang="en-US" sz="2800" b="1" dirty="0">
+              <a:solidFill>
+                <a:schemeClr val="bg1"/>
+              </a:solidFill>
+              <a:latin typeface="Bell MT" panose="02020503060305020303" pitchFamily="18" charset="0"/>
+            </a:endParaRPr>
+          </a:p>
+        </p:txBody>
+      </p:sp>
+      <p:sp>
+        <p:nvSpPr>
+          <p:cNvPr id="6" name="Oval 5"/>
+          <p:cNvSpPr/>
+          <p:nvPr/>
+        </p:nvSpPr>
+        <p:spPr>
+          <a:xfrm>
+            <a:off x="6658832" y="3651059"/>
+            <a:ext cx="551663" cy="551663"/>
+          </a:xfrm>
+          <a:prstGeom prst="ellipse">
+            <a:avLst/>
+          </a:prstGeom>
+          <a:solidFill>
+            <a:schemeClr val="accent4"/>
+          </a:solidFill>
+        </p:spPr>
+        <p:style>
+          <a:lnRef idx="2">
+            <a:schemeClr val="accent1">
+              <a:shade val="50000"/>
+            </a:schemeClr>
+          </a:lnRef>
+          <a:fillRef idx="1">
+            <a:schemeClr val="accent1"/>
+          </a:fillRef>
+          <a:effectRef idx="0">
+            <a:schemeClr val="accent1"/>
+          </a:effectRef>
+          <a:fontRef idx="minor">
+            <a:schemeClr val="lt1"/>
+          </a:fontRef>
+        </p:style>
+        <p:txBody>
+          <a:bodyPr rtlCol="0" anchor="ctr"/>
+          <a:lstStyle/>
+          <a:p>
+            <a:pPr algn="ctr"/>
+            <a:r>
+              <a:rPr lang="en-US" sz="2800" b="1" dirty="0">
+                <a:solidFill>
+                  <a:schemeClr val="bg1"/>
+                </a:solidFill>
+                <a:latin typeface="Bell MT" panose="02020503060305020303" pitchFamily="18" charset="0"/>
+              </a:rPr>
+              <a:t>B</a:t>
+            </a:r>
+            <a:endParaRPr lang="en-US" sz="2800" b="1" dirty="0">
+              <a:solidFill>
+                <a:schemeClr val="bg1"/>
+              </a:solidFill>
+              <a:latin typeface="Bell MT" panose="02020503060305020303" pitchFamily="18" charset="0"/>
+            </a:endParaRPr>
+          </a:p>
+        </p:txBody>
+      </p:sp>
+      <p:sp>
+        <p:nvSpPr>
+          <p:cNvPr id="7" name="Oval 6"/>
+          <p:cNvSpPr/>
+          <p:nvPr/>
+        </p:nvSpPr>
+        <p:spPr>
+          <a:xfrm>
+            <a:off x="4936737" y="5184346"/>
+            <a:ext cx="551663" cy="551663"/>
+          </a:xfrm>
+          <a:prstGeom prst="ellipse">
+            <a:avLst/>
+          </a:prstGeom>
+          <a:solidFill>
+            <a:srgbClr val="0070C0"/>
+          </a:solidFill>
+        </p:spPr>
+        <p:style>
+          <a:lnRef idx="2">
+            <a:schemeClr val="accent1">
+              <a:shade val="50000"/>
+            </a:schemeClr>
+          </a:lnRef>
+          <a:fillRef idx="1">
+            <a:schemeClr val="accent1"/>
+          </a:fillRef>
+          <a:effectRef idx="0">
+            <a:schemeClr val="accent1"/>
+          </a:effectRef>
+          <a:fontRef idx="minor">
+            <a:schemeClr val="lt1"/>
+          </a:fontRef>
+        </p:style>
+        <p:txBody>
+          <a:bodyPr rtlCol="0" anchor="ctr"/>
+          <a:lstStyle/>
+          <a:p>
+            <a:pPr algn="ctr"/>
+            <a:r>
+              <a:rPr lang="en-US" sz="2800" b="1" dirty="0">
+                <a:solidFill>
+                  <a:schemeClr val="bg1"/>
+                </a:solidFill>
+                <a:latin typeface="Bell MT" panose="02020503060305020303" pitchFamily="18" charset="0"/>
+              </a:rPr>
+              <a:t>C</a:t>
+            </a:r>
+            <a:endParaRPr lang="en-US" sz="2800" b="1" dirty="0">
+              <a:solidFill>
+                <a:schemeClr val="bg1"/>
+              </a:solidFill>
+              <a:latin typeface="Bell MT" panose="02020503060305020303" pitchFamily="18" charset="0"/>
+            </a:endParaRPr>
+          </a:p>
+        </p:txBody>
+      </p:sp>
+      <p:sp>
+        <p:nvSpPr>
+          <p:cNvPr id="8" name="Oval 7"/>
+          <p:cNvSpPr/>
+          <p:nvPr/>
+        </p:nvSpPr>
+        <p:spPr>
+          <a:xfrm>
+            <a:off x="9980515" y="3570270"/>
+            <a:ext cx="551663" cy="551663"/>
+          </a:xfrm>
+          <a:prstGeom prst="ellipse">
+            <a:avLst/>
+          </a:prstGeom>
+          <a:solidFill>
+            <a:schemeClr val="accent6">
+              <a:lumMod val="60000"/>
+              <a:lumOff val="40000"/>
+            </a:schemeClr>
+          </a:solidFill>
+        </p:spPr>
+        <p:style>
+          <a:lnRef idx="2">
+            <a:schemeClr val="accent1">
+              <a:shade val="50000"/>
+            </a:schemeClr>
+          </a:lnRef>
+          <a:fillRef idx="1">
+            <a:schemeClr val="accent1"/>
+          </a:fillRef>
+          <a:effectRef idx="0">
+            <a:schemeClr val="accent1"/>
+          </a:effectRef>
+          <a:fontRef idx="minor">
+            <a:schemeClr val="lt1"/>
+          </a:fontRef>
+        </p:style>
+        <p:txBody>
+          <a:bodyPr rtlCol="0" anchor="ctr"/>
+          <a:lstStyle/>
+          <a:p>
+            <a:pPr algn="ctr"/>
+            <a:r>
+              <a:rPr lang="en-US" sz="2800" b="1" dirty="0">
+                <a:solidFill>
+                  <a:schemeClr val="bg1"/>
+                </a:solidFill>
+                <a:latin typeface="Bell MT" panose="02020503060305020303" pitchFamily="18" charset="0"/>
+              </a:rPr>
+              <a:t>F</a:t>
+            </a:r>
+            <a:endParaRPr lang="en-US" sz="2800" b="1" dirty="0">
+              <a:solidFill>
+                <a:schemeClr val="bg1"/>
+              </a:solidFill>
+              <a:latin typeface="Bell MT" panose="02020503060305020303" pitchFamily="18" charset="0"/>
+            </a:endParaRPr>
+          </a:p>
+        </p:txBody>
+      </p:sp>
+      <p:sp>
+        <p:nvSpPr>
+          <p:cNvPr id="9" name="Oval 8"/>
+          <p:cNvSpPr/>
+          <p:nvPr/>
+        </p:nvSpPr>
+        <p:spPr>
+          <a:xfrm>
+            <a:off x="8403524" y="5274012"/>
+            <a:ext cx="551663" cy="551663"/>
+          </a:xfrm>
+          <a:prstGeom prst="ellipse">
+            <a:avLst/>
+          </a:prstGeom>
+          <a:solidFill>
+            <a:schemeClr val="accent6"/>
+          </a:solidFill>
+        </p:spPr>
+        <p:style>
+          <a:lnRef idx="2">
+            <a:schemeClr val="accent1">
+              <a:shade val="50000"/>
+            </a:schemeClr>
+          </a:lnRef>
+          <a:fillRef idx="1">
+            <a:schemeClr val="accent1"/>
+          </a:fillRef>
+          <a:effectRef idx="0">
+            <a:schemeClr val="accent1"/>
+          </a:effectRef>
+          <a:fontRef idx="minor">
+            <a:schemeClr val="lt1"/>
+          </a:fontRef>
+        </p:style>
+        <p:txBody>
+          <a:bodyPr rtlCol="0" anchor="ctr"/>
+          <a:lstStyle/>
+          <a:p>
+            <a:pPr algn="ctr"/>
+            <a:r>
+              <a:rPr lang="en-US" sz="2800" b="1" dirty="0">
+                <a:solidFill>
+                  <a:schemeClr val="bg1"/>
+                </a:solidFill>
+                <a:latin typeface="Bell MT" panose="02020503060305020303" pitchFamily="18" charset="0"/>
+              </a:rPr>
+              <a:t>E</a:t>
+            </a:r>
+            <a:endParaRPr lang="en-US" sz="2800" b="1" dirty="0">
+              <a:solidFill>
+                <a:schemeClr val="bg1"/>
+              </a:solidFill>
+              <a:latin typeface="Bell MT" panose="02020503060305020303" pitchFamily="18" charset="0"/>
+            </a:endParaRPr>
+          </a:p>
+        </p:txBody>
+      </p:sp>
+      <p:cxnSp>
+        <p:nvCxnSpPr>
+          <p:cNvPr id="10" name="Straight Arrow Connector 9"/>
+          <p:cNvCxnSpPr>
+            <a:stCxn id="3" idx="5"/>
+            <a:endCxn id="6" idx="1"/>
+          </p:cNvCxnSpPr>
+          <p:nvPr/>
+        </p:nvCxnSpPr>
+        <p:spPr>
+          <a:xfrm>
+            <a:off x="5370587" y="2438061"/>
+            <a:ext cx="1369034" cy="1293787"/>
+          </a:xfrm>
+          <a:prstGeom prst="straightConnector1">
+            <a:avLst/>
+          </a:prstGeom>
+          <a:ln w="47625">
+            <a:solidFill>
+              <a:schemeClr val="tx1">
+                <a:lumMod val="75000"/>
+              </a:schemeClr>
+            </a:solidFill>
+            <a:prstDash val="sysDash"/>
+            <a:tailEnd type="arrow"/>
+          </a:ln>
+        </p:spPr>
+        <p:style>
+          <a:lnRef idx="1">
+            <a:schemeClr val="accent1"/>
+          </a:lnRef>
+          <a:fillRef idx="0">
+            <a:schemeClr val="accent1"/>
+          </a:fillRef>
+          <a:effectRef idx="0">
+            <a:schemeClr val="accent1"/>
+          </a:effectRef>
+          <a:fontRef idx="minor">
+            <a:schemeClr val="tx1"/>
+          </a:fontRef>
+        </p:style>
+      </p:cxnSp>
+      <p:cxnSp>
+        <p:nvCxnSpPr>
+          <p:cNvPr id="15" name="Straight Arrow Connector 14"/>
+          <p:cNvCxnSpPr>
+            <a:stCxn id="6" idx="3"/>
+            <a:endCxn id="7" idx="7"/>
+          </p:cNvCxnSpPr>
+          <p:nvPr/>
+        </p:nvCxnSpPr>
+        <p:spPr>
+          <a:xfrm flipH="1">
+            <a:off x="5407611" y="4121933"/>
+            <a:ext cx="1332010" cy="1143202"/>
+          </a:xfrm>
+          <a:prstGeom prst="straightConnector1">
+            <a:avLst/>
+          </a:prstGeom>
+          <a:ln w="47625">
+            <a:solidFill>
+              <a:schemeClr val="tx1">
+                <a:lumMod val="75000"/>
+              </a:schemeClr>
+            </a:solidFill>
+            <a:prstDash val="sysDash"/>
+            <a:headEnd type="arrow"/>
+            <a:tailEnd type="none"/>
+          </a:ln>
+        </p:spPr>
+        <p:style>
+          <a:lnRef idx="1">
+            <a:schemeClr val="accent1"/>
+          </a:lnRef>
+          <a:fillRef idx="0">
+            <a:schemeClr val="accent1"/>
+          </a:fillRef>
+          <a:effectRef idx="0">
+            <a:schemeClr val="accent1"/>
+          </a:effectRef>
+          <a:fontRef idx="minor">
+            <a:schemeClr val="tx1"/>
+          </a:fontRef>
+        </p:style>
+      </p:cxnSp>
+      <p:cxnSp>
+        <p:nvCxnSpPr>
+          <p:cNvPr id="22" name="Straight Arrow Connector 21"/>
+          <p:cNvCxnSpPr>
+            <a:stCxn id="6" idx="7"/>
+            <a:endCxn id="5" idx="3"/>
+          </p:cNvCxnSpPr>
+          <p:nvPr/>
+        </p:nvCxnSpPr>
+        <p:spPr>
+          <a:xfrm flipV="1">
+            <a:off x="7129706" y="2500206"/>
+            <a:ext cx="1209503" cy="1231642"/>
+          </a:xfrm>
+          <a:prstGeom prst="straightConnector1">
+            <a:avLst/>
+          </a:prstGeom>
+          <a:ln w="47625">
+            <a:solidFill>
+              <a:schemeClr val="tx1">
+                <a:lumMod val="75000"/>
+              </a:schemeClr>
+            </a:solidFill>
+            <a:prstDash val="sysDash"/>
+            <a:tailEnd type="arrow"/>
+          </a:ln>
+        </p:spPr>
+        <p:style>
+          <a:lnRef idx="1">
+            <a:schemeClr val="accent1"/>
+          </a:lnRef>
+          <a:fillRef idx="0">
+            <a:schemeClr val="accent1"/>
+          </a:fillRef>
+          <a:effectRef idx="0">
+            <a:schemeClr val="accent1"/>
+          </a:effectRef>
+          <a:fontRef idx="minor">
+            <a:schemeClr val="tx1"/>
+          </a:fontRef>
+        </p:style>
+      </p:cxnSp>
+      <p:cxnSp>
+        <p:nvCxnSpPr>
+          <p:cNvPr id="27" name="Straight Arrow Connector 26"/>
+          <p:cNvCxnSpPr>
+            <a:stCxn id="8" idx="3"/>
+            <a:endCxn id="9" idx="7"/>
+          </p:cNvCxnSpPr>
+          <p:nvPr/>
+        </p:nvCxnSpPr>
+        <p:spPr>
+          <a:xfrm flipH="1">
+            <a:off x="8874398" y="4041144"/>
+            <a:ext cx="1186906" cy="1313657"/>
+          </a:xfrm>
+          <a:prstGeom prst="straightConnector1">
+            <a:avLst/>
+          </a:prstGeom>
+          <a:ln w="47625">
+            <a:solidFill>
+              <a:schemeClr val="tx1">
+                <a:lumMod val="75000"/>
+              </a:schemeClr>
+            </a:solidFill>
+            <a:prstDash val="sysDash"/>
+            <a:tailEnd type="arrow"/>
+          </a:ln>
+        </p:spPr>
+        <p:style>
+          <a:lnRef idx="1">
+            <a:schemeClr val="accent1"/>
+          </a:lnRef>
+          <a:fillRef idx="0">
+            <a:schemeClr val="accent1"/>
+          </a:fillRef>
+          <a:effectRef idx="0">
+            <a:schemeClr val="accent1"/>
+          </a:effectRef>
+          <a:fontRef idx="minor">
+            <a:schemeClr val="tx1"/>
+          </a:fontRef>
+        </p:style>
+      </p:cxnSp>
+      <p:cxnSp>
+        <p:nvCxnSpPr>
+          <p:cNvPr id="30" name="Straight Arrow Connector 29"/>
+          <p:cNvCxnSpPr>
+            <a:stCxn id="6" idx="5"/>
+            <a:endCxn id="9" idx="1"/>
+          </p:cNvCxnSpPr>
+          <p:nvPr/>
+        </p:nvCxnSpPr>
+        <p:spPr>
+          <a:xfrm>
+            <a:off x="7129706" y="4121933"/>
+            <a:ext cx="1354607" cy="1232868"/>
+          </a:xfrm>
+          <a:prstGeom prst="straightConnector1">
+            <a:avLst/>
+          </a:prstGeom>
+          <a:ln w="47625">
+            <a:solidFill>
+              <a:schemeClr val="tx1">
+                <a:lumMod val="75000"/>
+              </a:schemeClr>
+            </a:solidFill>
+            <a:prstDash val="sysDash"/>
+            <a:tailEnd type="arrow"/>
+          </a:ln>
+        </p:spPr>
+        <p:style>
+          <a:lnRef idx="1">
+            <a:schemeClr val="accent1"/>
+          </a:lnRef>
+          <a:fillRef idx="0">
+            <a:schemeClr val="accent1"/>
+          </a:fillRef>
+          <a:effectRef idx="0">
+            <a:schemeClr val="accent1"/>
+          </a:effectRef>
+          <a:fontRef idx="minor">
+            <a:schemeClr val="tx1"/>
+          </a:fontRef>
+        </p:style>
+      </p:cxnSp>
+      <p:pic>
+        <p:nvPicPr>
+          <p:cNvPr id="64" name="Picture 63" descr="File:&lt;strong&gt;User icon&lt;/strong&gt; 3.svg - Wikimedia Commons"/>
+          <p:cNvPicPr>
+            <a:picLocks noChangeAspect="1"/>
+          </p:cNvPicPr>
+          <p:nvPr/>
+        </p:nvPicPr>
+        <p:blipFill>
+          <a:blip r:embed="rId2">
+            <a:extLst>
+              <a:ext uri="{28A0092B-C50C-407E-A947-70E740481C1C}">
+                <a14:useLocalDpi xmlns:a14="http://schemas.microsoft.com/office/drawing/2010/main" val="0"/>
+              </a:ext>
+            </a:extLst>
+          </a:blip>
+          <a:stretch>
+            <a:fillRect/>
+          </a:stretch>
+        </p:blipFill>
+        <p:spPr>
+          <a:xfrm>
+            <a:off x="6715401" y="3163086"/>
+            <a:ext cx="509203" cy="509203"/>
+          </a:xfrm>
+          <a:prstGeom prst="rect">
+            <a:avLst/>
+          </a:prstGeom>
+        </p:spPr>
+      </p:pic>
+      <p:pic>
+        <p:nvPicPr>
+          <p:cNvPr id="65" name="Picture 64" descr="Original file ‎ (SVG file, nominally 48 × 48 pixels ..."/>
+          <p:cNvPicPr>
+            <a:picLocks noChangeAspect="1"/>
+          </p:cNvPicPr>
+          <p:nvPr/>
+        </p:nvPicPr>
+        <p:blipFill>
+          <a:blip r:embed="rId3">
+            <a:extLst>
+              <a:ext uri="{28A0092B-C50C-407E-A947-70E740481C1C}">
+                <a14:useLocalDpi xmlns:a14="http://schemas.microsoft.com/office/drawing/2010/main" val="0"/>
+              </a:ext>
+            </a:extLst>
+          </a:blip>
+          <a:stretch>
+            <a:fillRect/>
+          </a:stretch>
+        </p:blipFill>
+        <p:spPr>
+          <a:xfrm>
+            <a:off x="5248720" y="1597925"/>
+            <a:ext cx="479359" cy="479359"/>
+          </a:xfrm>
+          <a:prstGeom prst="rect">
+            <a:avLst/>
+          </a:prstGeom>
+        </p:spPr>
+      </p:pic>
+      <p:pic>
+        <p:nvPicPr>
+          <p:cNvPr id="66" name="Picture 65" descr="Original file ‎ (SVG file, nominally 48 × 48 pixels ..."/>
+          <p:cNvPicPr>
+            <a:picLocks noChangeAspect="1"/>
+          </p:cNvPicPr>
+          <p:nvPr/>
+        </p:nvPicPr>
+        <p:blipFill>
+          <a:blip r:embed="rId3">
+            <a:extLst>
+              <a:ext uri="{28A0092B-C50C-407E-A947-70E740481C1C}">
+                <a14:useLocalDpi xmlns:a14="http://schemas.microsoft.com/office/drawing/2010/main" val="0"/>
+              </a:ext>
+            </a:extLst>
+          </a:blip>
+          <a:stretch>
+            <a:fillRect/>
+          </a:stretch>
+        </p:blipFill>
+        <p:spPr>
+          <a:xfrm>
+            <a:off x="8874398" y="5548612"/>
+            <a:ext cx="479359" cy="479359"/>
+          </a:xfrm>
+          <a:prstGeom prst="rect">
+            <a:avLst/>
+          </a:prstGeom>
+        </p:spPr>
+      </p:pic>
+      <p:pic>
+        <p:nvPicPr>
+          <p:cNvPr id="67" name="Picture 66" descr="Original file ‎ (SVG file, nominally 48 × 48 pixels ..."/>
+          <p:cNvPicPr>
+            <a:picLocks noChangeAspect="1"/>
+          </p:cNvPicPr>
+          <p:nvPr/>
+        </p:nvPicPr>
+        <p:blipFill>
+          <a:blip r:embed="rId3">
+            <a:extLst>
+              <a:ext uri="{28A0092B-C50C-407E-A947-70E740481C1C}">
+                <a14:useLocalDpi xmlns:a14="http://schemas.microsoft.com/office/drawing/2010/main" val="0"/>
+              </a:ext>
+            </a:extLst>
+          </a:blip>
+          <a:stretch>
+            <a:fillRect/>
+          </a:stretch>
+        </p:blipFill>
+        <p:spPr>
+          <a:xfrm>
+            <a:off x="10481553" y="3257711"/>
+            <a:ext cx="479359" cy="479359"/>
+          </a:xfrm>
+          <a:prstGeom prst="rect">
+            <a:avLst/>
+          </a:prstGeom>
+        </p:spPr>
+      </p:pic>
+      <p:pic>
+        <p:nvPicPr>
+          <p:cNvPr id="68" name="Picture 67" descr="File:&lt;strong&gt;User icon&lt;/strong&gt; 3.svg - Wikimedia Commons"/>
+          <p:cNvPicPr>
+            <a:picLocks noChangeAspect="1"/>
+          </p:cNvPicPr>
+          <p:nvPr/>
+        </p:nvPicPr>
+        <p:blipFill>
+          <a:blip r:embed="rId2">
+            <a:extLst>
+              <a:ext uri="{28A0092B-C50C-407E-A947-70E740481C1C}">
+                <a14:useLocalDpi xmlns:a14="http://schemas.microsoft.com/office/drawing/2010/main" val="0"/>
+              </a:ext>
+            </a:extLst>
+          </a:blip>
+          <a:stretch>
+            <a:fillRect/>
+          </a:stretch>
+        </p:blipFill>
+        <p:spPr>
+          <a:xfrm>
+            <a:off x="8700585" y="1708629"/>
+            <a:ext cx="509203" cy="509203"/>
+          </a:xfrm>
+          <a:prstGeom prst="rect">
+            <a:avLst/>
+          </a:prstGeom>
+        </p:spPr>
+      </p:pic>
+      <p:pic>
+        <p:nvPicPr>
+          <p:cNvPr id="69" name="Picture 68" descr="File:&lt;strong&gt;User icon&lt;/strong&gt; 3.svg - Wikimedia Commons"/>
+          <p:cNvPicPr>
+            <a:picLocks noChangeAspect="1"/>
+          </p:cNvPicPr>
+          <p:nvPr/>
+        </p:nvPicPr>
+        <p:blipFill>
+          <a:blip r:embed="rId2">
+            <a:extLst>
+              <a:ext uri="{28A0092B-C50C-407E-A947-70E740481C1C}">
+                <a14:useLocalDpi xmlns:a14="http://schemas.microsoft.com/office/drawing/2010/main" val="0"/>
+              </a:ext>
+            </a:extLst>
+          </a:blip>
+          <a:stretch>
+            <a:fillRect/>
+          </a:stretch>
+        </p:blipFill>
+        <p:spPr>
+          <a:xfrm>
+            <a:off x="4538167" y="4845598"/>
+            <a:ext cx="509203" cy="509203"/>
+          </a:xfrm>
+          <a:prstGeom prst="rect">
+            <a:avLst/>
+          </a:prstGeom>
+        </p:spPr>
+      </p:pic>
+      <p:pic>
+        <p:nvPicPr>
+          <p:cNvPr id="78" name="Picture 77" descr="File:Red &lt;strong&gt;exclamation&lt;/strong&gt; mark.svg - Wikimedia Commons"/>
+          <p:cNvPicPr>
+            <a:picLocks noChangeAspect="1"/>
+          </p:cNvPicPr>
+          <p:nvPr/>
+        </p:nvPicPr>
+        <p:blipFill>
+          <a:blip r:embed="rId4">
+            <a:extLst>
+              <a:ext uri="{28A0092B-C50C-407E-A947-70E740481C1C}">
+                <a14:useLocalDpi xmlns:a14="http://schemas.microsoft.com/office/drawing/2010/main" val="0"/>
+              </a:ext>
+            </a:extLst>
+          </a:blip>
+          <a:stretch>
+            <a:fillRect/>
+          </a:stretch>
+        </p:blipFill>
+        <p:spPr>
+          <a:xfrm>
+            <a:off x="8111778" y="5009103"/>
+            <a:ext cx="1216557" cy="1216557"/>
+          </a:xfrm>
+          <a:prstGeom prst="rect">
+            <a:avLst/>
+          </a:prstGeom>
+        </p:spPr>
+      </p:pic>
+      <p:pic>
+        <p:nvPicPr>
+          <p:cNvPr id="75" name="Picture 74" descr="Free vector graphic: &lt;strong&gt;Lock&lt;/strong&gt;, Locked, Metal, Protection ..."/>
+          <p:cNvPicPr>
+            <a:picLocks noChangeAspect="1"/>
+          </p:cNvPicPr>
+          <p:nvPr/>
+        </p:nvPicPr>
+        <p:blipFill>
+          <a:blip r:embed="rId5">
+            <a:extLst>
+              <a:ext uri="{28A0092B-C50C-407E-A947-70E740481C1C}">
+                <a14:useLocalDpi xmlns:a14="http://schemas.microsoft.com/office/drawing/2010/main" val="0"/>
+              </a:ext>
+            </a:extLst>
+          </a:blip>
+          <a:stretch>
+            <a:fillRect/>
+          </a:stretch>
+        </p:blipFill>
+        <p:spPr>
+          <a:xfrm>
+            <a:off x="8638307" y="5404520"/>
+            <a:ext cx="472181" cy="612559"/>
+          </a:xfrm>
+          <a:prstGeom prst="rect">
+            <a:avLst/>
+          </a:prstGeom>
+        </p:spPr>
+      </p:pic>
+      <p:pic>
+        <p:nvPicPr>
+          <p:cNvPr id="79" name="Picture 78" descr="File:&lt;strong&gt;Yellow&lt;/strong&gt; &lt;strong&gt;question&lt;/strong&gt; &lt;strong&gt;mark&lt;/strong&gt;.svg"/>
+          <p:cNvPicPr>
+            <a:picLocks noChangeAspect="1"/>
+          </p:cNvPicPr>
+          <p:nvPr/>
+        </p:nvPicPr>
+        <p:blipFill>
+          <a:blip r:embed="rId6">
+            <a:extLst>
+              <a:ext uri="{28A0092B-C50C-407E-A947-70E740481C1C}">
+                <a14:useLocalDpi xmlns:a14="http://schemas.microsoft.com/office/drawing/2010/main" val="0"/>
+              </a:ext>
+            </a:extLst>
+          </a:blip>
+          <a:stretch>
+            <a:fillRect/>
+          </a:stretch>
+        </p:blipFill>
+        <p:spPr>
+          <a:xfrm>
+            <a:off x="9737246" y="3436038"/>
+            <a:ext cx="705574" cy="705574"/>
+          </a:xfrm>
+          <a:prstGeom prst="rect">
+            <a:avLst/>
+          </a:prstGeom>
+        </p:spPr>
+      </p:pic>
+      <p:pic>
+        <p:nvPicPr>
+          <p:cNvPr id="80" name="Picture 79" descr="File:&lt;strong&gt;Yellow&lt;/strong&gt; &lt;strong&gt;question&lt;/strong&gt; &lt;strong&gt;mark&lt;/strong&gt;.svg"/>
+          <p:cNvPicPr>
+            <a:picLocks noChangeAspect="1"/>
+          </p:cNvPicPr>
+          <p:nvPr/>
+        </p:nvPicPr>
+        <p:blipFill>
+          <a:blip r:embed="rId6">
+            <a:extLst>
+              <a:ext uri="{28A0092B-C50C-407E-A947-70E740481C1C}">
+                <a14:useLocalDpi xmlns:a14="http://schemas.microsoft.com/office/drawing/2010/main" val="0"/>
+              </a:ext>
+            </a:extLst>
+          </a:blip>
+          <a:stretch>
+            <a:fillRect/>
+          </a:stretch>
+        </p:blipFill>
+        <p:spPr>
+          <a:xfrm>
+            <a:off x="6504921" y="3871842"/>
+            <a:ext cx="705574" cy="705574"/>
+          </a:xfrm>
+          <a:prstGeom prst="rect">
+            <a:avLst/>
+          </a:prstGeom>
+        </p:spPr>
+      </p:pic>
+      <p:pic>
+        <p:nvPicPr>
+          <p:cNvPr id="81" name="Picture 80" descr="File:&lt;strong&gt;Yellow&lt;/strong&gt; &lt;strong&gt;question&lt;/strong&gt; &lt;strong&gt;mark&lt;/strong&gt;.svg"/>
+          <p:cNvPicPr>
+            <a:picLocks noChangeAspect="1"/>
+          </p:cNvPicPr>
+          <p:nvPr/>
+        </p:nvPicPr>
+        <p:blipFill>
+          <a:blip r:embed="rId6">
+            <a:extLst>
+              <a:ext uri="{28A0092B-C50C-407E-A947-70E740481C1C}">
+                <a14:useLocalDpi xmlns:a14="http://schemas.microsoft.com/office/drawing/2010/main" val="0"/>
+              </a:ext>
+            </a:extLst>
+          </a:blip>
+          <a:stretch>
+            <a:fillRect/>
+          </a:stretch>
+        </p:blipFill>
+        <p:spPr>
+          <a:xfrm>
+            <a:off x="4927254" y="5184345"/>
+            <a:ext cx="705574" cy="705574"/>
+          </a:xfrm>
+          <a:prstGeom prst="rect">
+            <a:avLst/>
+          </a:prstGeom>
+        </p:spPr>
+      </p:pic>
+      <p:pic>
+        <p:nvPicPr>
+          <p:cNvPr id="82" name="Picture 81" descr="File:&lt;strong&gt;Yellow&lt;/strong&gt; &lt;strong&gt;question&lt;/strong&gt; &lt;strong&gt;mark&lt;/strong&gt;.svg"/>
+          <p:cNvPicPr>
+            <a:picLocks noChangeAspect="1"/>
+          </p:cNvPicPr>
+          <p:nvPr/>
+        </p:nvPicPr>
+        <p:blipFill>
+          <a:blip r:embed="rId6">
+            <a:extLst>
+              <a:ext uri="{28A0092B-C50C-407E-A947-70E740481C1C}">
+                <a14:useLocalDpi xmlns:a14="http://schemas.microsoft.com/office/drawing/2010/main" val="0"/>
+              </a:ext>
+            </a:extLst>
+          </a:blip>
+          <a:stretch>
+            <a:fillRect/>
+          </a:stretch>
+        </p:blipFill>
+        <p:spPr>
+          <a:xfrm>
+            <a:off x="4724528" y="2109752"/>
+            <a:ext cx="705574" cy="705574"/>
+          </a:xfrm>
+          <a:prstGeom prst="rect">
+            <a:avLst/>
+          </a:prstGeom>
+        </p:spPr>
+      </p:pic>
+      <p:pic>
+        <p:nvPicPr>
+          <p:cNvPr id="70" name="Picture 69" descr="Free vector graphic: &lt;strong&gt;Lock&lt;/strong&gt;, Locked, Metal, Protection ..."/>
+          <p:cNvPicPr>
+            <a:picLocks noChangeAspect="1"/>
+          </p:cNvPicPr>
+          <p:nvPr/>
+        </p:nvPicPr>
+        <p:blipFill>
+          <a:blip r:embed="rId5">
+            <a:extLst>
+              <a:ext uri="{28A0092B-C50C-407E-A947-70E740481C1C}">
+                <a14:useLocalDpi xmlns:a14="http://schemas.microsoft.com/office/drawing/2010/main" val="0"/>
+              </a:ext>
+            </a:extLst>
+          </a:blip>
+          <a:stretch>
+            <a:fillRect/>
+          </a:stretch>
+        </p:blipFill>
+        <p:spPr>
+          <a:xfrm>
+            <a:off x="5179047" y="1685508"/>
+            <a:ext cx="472181" cy="612559"/>
+          </a:xfrm>
+          <a:prstGeom prst="rect">
+            <a:avLst/>
+          </a:prstGeom>
+        </p:spPr>
+      </p:pic>
+      <p:pic>
+        <p:nvPicPr>
+          <p:cNvPr id="72" name="Picture 71" descr="Free vector graphic: &lt;strong&gt;Lock&lt;/strong&gt;, Locked, Metal, Protection ..."/>
+          <p:cNvPicPr>
+            <a:picLocks noChangeAspect="1"/>
+          </p:cNvPicPr>
+          <p:nvPr/>
+        </p:nvPicPr>
+        <p:blipFill>
+          <a:blip r:embed="rId5">
+            <a:extLst>
+              <a:ext uri="{28A0092B-C50C-407E-A947-70E740481C1C}">
+                <a14:useLocalDpi xmlns:a14="http://schemas.microsoft.com/office/drawing/2010/main" val="0"/>
+              </a:ext>
+            </a:extLst>
+          </a:blip>
+          <a:stretch>
+            <a:fillRect/>
+          </a:stretch>
+        </p:blipFill>
+        <p:spPr>
+          <a:xfrm>
+            <a:off x="6751770" y="3295167"/>
+            <a:ext cx="472181" cy="612559"/>
+          </a:xfrm>
+          <a:prstGeom prst="rect">
+            <a:avLst/>
+          </a:prstGeom>
+        </p:spPr>
+      </p:pic>
+      <p:pic>
+        <p:nvPicPr>
+          <p:cNvPr id="73" name="Picture 72" descr="Free vector graphic: &lt;strong&gt;Lock&lt;/strong&gt;, Locked, Metal, Protection ..."/>
+          <p:cNvPicPr>
+            <a:picLocks noChangeAspect="1"/>
+          </p:cNvPicPr>
+          <p:nvPr/>
+        </p:nvPicPr>
+        <p:blipFill>
+          <a:blip r:embed="rId5">
+            <a:extLst>
+              <a:ext uri="{28A0092B-C50C-407E-A947-70E740481C1C}">
+                <a14:useLocalDpi xmlns:a14="http://schemas.microsoft.com/office/drawing/2010/main" val="0"/>
+              </a:ext>
+            </a:extLst>
+          </a:blip>
+          <a:stretch>
+            <a:fillRect/>
+          </a:stretch>
+        </p:blipFill>
+        <p:spPr>
+          <a:xfrm>
+            <a:off x="8513087" y="1835521"/>
+            <a:ext cx="472181" cy="612559"/>
+          </a:xfrm>
+          <a:prstGeom prst="rect">
+            <a:avLst/>
+          </a:prstGeom>
+        </p:spPr>
+      </p:pic>
+      <p:pic>
+        <p:nvPicPr>
+          <p:cNvPr id="74" name="Picture 73" descr="Free vector graphic: &lt;strong&gt;Lock&lt;/strong&gt;, Locked, Metal, Protection ..."/>
+          <p:cNvPicPr>
+            <a:picLocks noChangeAspect="1"/>
+          </p:cNvPicPr>
+          <p:nvPr/>
+        </p:nvPicPr>
+        <p:blipFill>
+          <a:blip r:embed="rId5">
+            <a:extLst>
+              <a:ext uri="{28A0092B-C50C-407E-A947-70E740481C1C}">
+                <a14:useLocalDpi xmlns:a14="http://schemas.microsoft.com/office/drawing/2010/main" val="0"/>
+              </a:ext>
+            </a:extLst>
+          </a:blip>
+          <a:stretch>
+            <a:fillRect/>
+          </a:stretch>
+        </p:blipFill>
+        <p:spPr>
+          <a:xfrm>
+            <a:off x="4810626" y="4878066"/>
+            <a:ext cx="472181" cy="612559"/>
+          </a:xfrm>
+          <a:prstGeom prst="rect">
+            <a:avLst/>
+          </a:prstGeom>
+        </p:spPr>
+      </p:pic>
+      <p:pic>
+        <p:nvPicPr>
+          <p:cNvPr id="76" name="Picture 75" descr="Free vector graphic: &lt;strong&gt;Lock&lt;/strong&gt;, Locked, Metal, Protection ..."/>
+          <p:cNvPicPr>
+            <a:picLocks noChangeAspect="1"/>
+          </p:cNvPicPr>
+          <p:nvPr/>
+        </p:nvPicPr>
+        <p:blipFill>
+          <a:blip r:embed="rId5">
+            <a:extLst>
+              <a:ext uri="{28A0092B-C50C-407E-A947-70E740481C1C}">
+                <a14:useLocalDpi xmlns:a14="http://schemas.microsoft.com/office/drawing/2010/main" val="0"/>
+              </a:ext>
+            </a:extLst>
+          </a:blip>
+          <a:stretch>
+            <a:fillRect/>
+          </a:stretch>
+        </p:blipFill>
+        <p:spPr>
+          <a:xfrm>
+            <a:off x="10245462" y="3316942"/>
+            <a:ext cx="472181" cy="612559"/>
+          </a:xfrm>
+          <a:prstGeom prst="rect">
+            <a:avLst/>
+          </a:prstGeom>
+        </p:spPr>
+      </p:pic>
     </p:spTree>
     <p:extLst>
       <p:ext uri="{BB962C8B-B14F-4D97-AF65-F5344CB8AC3E}">
@@ -5854,7 +6928,505 @@
   <p:timing>
     <p:tnLst>
       <p:par>
-        <p:cTn id="1" dur="indefinite" restart="never" nodeType="tmRoot"/>
+        <p:cTn id="1" dur="indefinite" restart="never" nodeType="tmRoot">
+          <p:childTnLst>
+            <p:seq concurrent="1" nextAc="seek">
+              <p:cTn id="2" dur="indefinite" nodeType="mainSeq">
+                <p:childTnLst>
+                  <p:par>
+                    <p:cTn id="3" fill="hold">
+                      <p:stCondLst>
+                        <p:cond delay="indefinite"/>
+                      </p:stCondLst>
+                      <p:childTnLst>
+                        <p:par>
+                          <p:cTn id="4" fill="hold">
+                            <p:stCondLst>
+                              <p:cond delay="0"/>
+                            </p:stCondLst>
+                            <p:childTnLst>
+                              <p:par>
+                                <p:cTn id="5" presetID="10" presetClass="entr" presetSubtype="0" fill="hold" nodeType="clickEffect">
+                                  <p:stCondLst>
+                                    <p:cond delay="0"/>
+                                  </p:stCondLst>
+                                  <p:childTnLst>
+                                    <p:set>
+                                      <p:cBhvr>
+                                        <p:cTn id="6" dur="1" fill="hold">
+                                          <p:stCondLst>
+                                            <p:cond delay="0"/>
+                                          </p:stCondLst>
+                                        </p:cTn>
+                                        <p:tgtEl>
+                                          <p:spTgt spid="78"/>
+                                        </p:tgtEl>
+                                        <p:attrNameLst>
+                                          <p:attrName>style.visibility</p:attrName>
+                                        </p:attrNameLst>
+                                      </p:cBhvr>
+                                      <p:to>
+                                        <p:strVal val="visible"/>
+                                      </p:to>
+                                    </p:set>
+                                    <p:animEffect transition="in" filter="fade">
+                                      <p:cBhvr>
+                                        <p:cTn id="7" dur="500"/>
+                                        <p:tgtEl>
+                                          <p:spTgt spid="78"/>
+                                        </p:tgtEl>
+                                      </p:cBhvr>
+                                    </p:animEffect>
+                                  </p:childTnLst>
+                                </p:cTn>
+                              </p:par>
+                            </p:childTnLst>
+                          </p:cTn>
+                        </p:par>
+                      </p:childTnLst>
+                    </p:cTn>
+                  </p:par>
+                  <p:par>
+                    <p:cTn id="8" fill="hold">
+                      <p:stCondLst>
+                        <p:cond delay="indefinite"/>
+                      </p:stCondLst>
+                      <p:childTnLst>
+                        <p:par>
+                          <p:cTn id="9" fill="hold">
+                            <p:stCondLst>
+                              <p:cond delay="0"/>
+                            </p:stCondLst>
+                            <p:childTnLst>
+                              <p:par>
+                                <p:cTn id="10" presetID="10" presetClass="entr" presetSubtype="0" fill="hold" nodeType="clickEffect">
+                                  <p:stCondLst>
+                                    <p:cond delay="0"/>
+                                  </p:stCondLst>
+                                  <p:childTnLst>
+                                    <p:set>
+                                      <p:cBhvr>
+                                        <p:cTn id="11" dur="1" fill="hold">
+                                          <p:stCondLst>
+                                            <p:cond delay="0"/>
+                                          </p:stCondLst>
+                                        </p:cTn>
+                                        <p:tgtEl>
+                                          <p:spTgt spid="79"/>
+                                        </p:tgtEl>
+                                        <p:attrNameLst>
+                                          <p:attrName>style.visibility</p:attrName>
+                                        </p:attrNameLst>
+                                      </p:cBhvr>
+                                      <p:to>
+                                        <p:strVal val="visible"/>
+                                      </p:to>
+                                    </p:set>
+                                    <p:animEffect transition="in" filter="fade">
+                                      <p:cBhvr>
+                                        <p:cTn id="12" dur="500"/>
+                                        <p:tgtEl>
+                                          <p:spTgt spid="79"/>
+                                        </p:tgtEl>
+                                      </p:cBhvr>
+                                    </p:animEffect>
+                                  </p:childTnLst>
+                                </p:cTn>
+                              </p:par>
+                            </p:childTnLst>
+                          </p:cTn>
+                        </p:par>
+                      </p:childTnLst>
+                    </p:cTn>
+                  </p:par>
+                  <p:par>
+                    <p:cTn id="13" fill="hold">
+                      <p:stCondLst>
+                        <p:cond delay="indefinite"/>
+                      </p:stCondLst>
+                      <p:childTnLst>
+                        <p:par>
+                          <p:cTn id="14" fill="hold">
+                            <p:stCondLst>
+                              <p:cond delay="0"/>
+                            </p:stCondLst>
+                            <p:childTnLst>
+                              <p:par>
+                                <p:cTn id="15" presetID="10" presetClass="entr" presetSubtype="0" fill="hold" nodeType="clickEffect">
+                                  <p:stCondLst>
+                                    <p:cond delay="0"/>
+                                  </p:stCondLst>
+                                  <p:childTnLst>
+                                    <p:set>
+                                      <p:cBhvr>
+                                        <p:cTn id="16" dur="1" fill="hold">
+                                          <p:stCondLst>
+                                            <p:cond delay="0"/>
+                                          </p:stCondLst>
+                                        </p:cTn>
+                                        <p:tgtEl>
+                                          <p:spTgt spid="80"/>
+                                        </p:tgtEl>
+                                        <p:attrNameLst>
+                                          <p:attrName>style.visibility</p:attrName>
+                                        </p:attrNameLst>
+                                      </p:cBhvr>
+                                      <p:to>
+                                        <p:strVal val="visible"/>
+                                      </p:to>
+                                    </p:set>
+                                    <p:animEffect transition="in" filter="fade">
+                                      <p:cBhvr>
+                                        <p:cTn id="17" dur="500"/>
+                                        <p:tgtEl>
+                                          <p:spTgt spid="80"/>
+                                        </p:tgtEl>
+                                      </p:cBhvr>
+                                    </p:animEffect>
+                                  </p:childTnLst>
+                                </p:cTn>
+                              </p:par>
+                            </p:childTnLst>
+                          </p:cTn>
+                        </p:par>
+                      </p:childTnLst>
+                    </p:cTn>
+                  </p:par>
+                  <p:par>
+                    <p:cTn id="18" fill="hold">
+                      <p:stCondLst>
+                        <p:cond delay="indefinite"/>
+                      </p:stCondLst>
+                      <p:childTnLst>
+                        <p:par>
+                          <p:cTn id="19" fill="hold">
+                            <p:stCondLst>
+                              <p:cond delay="0"/>
+                            </p:stCondLst>
+                            <p:childTnLst>
+                              <p:par>
+                                <p:cTn id="20" presetID="10" presetClass="entr" presetSubtype="0" fill="hold" nodeType="clickEffect">
+                                  <p:stCondLst>
+                                    <p:cond delay="0"/>
+                                  </p:stCondLst>
+                                  <p:childTnLst>
+                                    <p:set>
+                                      <p:cBhvr>
+                                        <p:cTn id="21" dur="1" fill="hold">
+                                          <p:stCondLst>
+                                            <p:cond delay="0"/>
+                                          </p:stCondLst>
+                                        </p:cTn>
+                                        <p:tgtEl>
+                                          <p:spTgt spid="82"/>
+                                        </p:tgtEl>
+                                        <p:attrNameLst>
+                                          <p:attrName>style.visibility</p:attrName>
+                                        </p:attrNameLst>
+                                      </p:cBhvr>
+                                      <p:to>
+                                        <p:strVal val="visible"/>
+                                      </p:to>
+                                    </p:set>
+                                    <p:animEffect transition="in" filter="fade">
+                                      <p:cBhvr>
+                                        <p:cTn id="22" dur="500"/>
+                                        <p:tgtEl>
+                                          <p:spTgt spid="82"/>
+                                        </p:tgtEl>
+                                      </p:cBhvr>
+                                    </p:animEffect>
+                                  </p:childTnLst>
+                                </p:cTn>
+                              </p:par>
+                              <p:par>
+                                <p:cTn id="23" presetID="10" presetClass="entr" presetSubtype="0" fill="hold" nodeType="withEffect">
+                                  <p:stCondLst>
+                                    <p:cond delay="0"/>
+                                  </p:stCondLst>
+                                  <p:childTnLst>
+                                    <p:set>
+                                      <p:cBhvr>
+                                        <p:cTn id="24" dur="1" fill="hold">
+                                          <p:stCondLst>
+                                            <p:cond delay="0"/>
+                                          </p:stCondLst>
+                                        </p:cTn>
+                                        <p:tgtEl>
+                                          <p:spTgt spid="81"/>
+                                        </p:tgtEl>
+                                        <p:attrNameLst>
+                                          <p:attrName>style.visibility</p:attrName>
+                                        </p:attrNameLst>
+                                      </p:cBhvr>
+                                      <p:to>
+                                        <p:strVal val="visible"/>
+                                      </p:to>
+                                    </p:set>
+                                    <p:animEffect transition="in" filter="fade">
+                                      <p:cBhvr>
+                                        <p:cTn id="25" dur="500"/>
+                                        <p:tgtEl>
+                                          <p:spTgt spid="81"/>
+                                        </p:tgtEl>
+                                      </p:cBhvr>
+                                    </p:animEffect>
+                                  </p:childTnLst>
+                                </p:cTn>
+                              </p:par>
+                            </p:childTnLst>
+                          </p:cTn>
+                        </p:par>
+                      </p:childTnLst>
+                    </p:cTn>
+                  </p:par>
+                  <p:par>
+                    <p:cTn id="26" fill="hold">
+                      <p:stCondLst>
+                        <p:cond delay="indefinite"/>
+                      </p:stCondLst>
+                      <p:childTnLst>
+                        <p:par>
+                          <p:cTn id="27" fill="hold">
+                            <p:stCondLst>
+                              <p:cond delay="0"/>
+                            </p:stCondLst>
+                            <p:childTnLst>
+                              <p:par>
+                                <p:cTn id="28" presetID="10" presetClass="entr" presetSubtype="0" fill="hold" nodeType="clickEffect">
+                                  <p:stCondLst>
+                                    <p:cond delay="0"/>
+                                  </p:stCondLst>
+                                  <p:childTnLst>
+                                    <p:set>
+                                      <p:cBhvr>
+                                        <p:cTn id="29" dur="1" fill="hold">
+                                          <p:stCondLst>
+                                            <p:cond delay="0"/>
+                                          </p:stCondLst>
+                                        </p:cTn>
+                                        <p:tgtEl>
+                                          <p:spTgt spid="76"/>
+                                        </p:tgtEl>
+                                        <p:attrNameLst>
+                                          <p:attrName>style.visibility</p:attrName>
+                                        </p:attrNameLst>
+                                      </p:cBhvr>
+                                      <p:to>
+                                        <p:strVal val="visible"/>
+                                      </p:to>
+                                    </p:set>
+                                    <p:animEffect transition="in" filter="fade">
+                                      <p:cBhvr>
+                                        <p:cTn id="30" dur="500"/>
+                                        <p:tgtEl>
+                                          <p:spTgt spid="76"/>
+                                        </p:tgtEl>
+                                      </p:cBhvr>
+                                    </p:animEffect>
+                                  </p:childTnLst>
+                                </p:cTn>
+                              </p:par>
+                              <p:par>
+                                <p:cTn id="31" presetID="10" presetClass="entr" presetSubtype="0" fill="hold" nodeType="withEffect">
+                                  <p:stCondLst>
+                                    <p:cond delay="0"/>
+                                  </p:stCondLst>
+                                  <p:childTnLst>
+                                    <p:set>
+                                      <p:cBhvr>
+                                        <p:cTn id="32" dur="1" fill="hold">
+                                          <p:stCondLst>
+                                            <p:cond delay="0"/>
+                                          </p:stCondLst>
+                                        </p:cTn>
+                                        <p:tgtEl>
+                                          <p:spTgt spid="75"/>
+                                        </p:tgtEl>
+                                        <p:attrNameLst>
+                                          <p:attrName>style.visibility</p:attrName>
+                                        </p:attrNameLst>
+                                      </p:cBhvr>
+                                      <p:to>
+                                        <p:strVal val="visible"/>
+                                      </p:to>
+                                    </p:set>
+                                    <p:animEffect transition="in" filter="fade">
+                                      <p:cBhvr>
+                                        <p:cTn id="33" dur="500"/>
+                                        <p:tgtEl>
+                                          <p:spTgt spid="75"/>
+                                        </p:tgtEl>
+                                      </p:cBhvr>
+                                    </p:animEffect>
+                                  </p:childTnLst>
+                                </p:cTn>
+                              </p:par>
+                              <p:par>
+                                <p:cTn id="34" presetID="10" presetClass="entr" presetSubtype="0" fill="hold" nodeType="withEffect">
+                                  <p:stCondLst>
+                                    <p:cond delay="0"/>
+                                  </p:stCondLst>
+                                  <p:childTnLst>
+                                    <p:set>
+                                      <p:cBhvr>
+                                        <p:cTn id="35" dur="1" fill="hold">
+                                          <p:stCondLst>
+                                            <p:cond delay="0"/>
+                                          </p:stCondLst>
+                                        </p:cTn>
+                                        <p:tgtEl>
+                                          <p:spTgt spid="73"/>
+                                        </p:tgtEl>
+                                        <p:attrNameLst>
+                                          <p:attrName>style.visibility</p:attrName>
+                                        </p:attrNameLst>
+                                      </p:cBhvr>
+                                      <p:to>
+                                        <p:strVal val="visible"/>
+                                      </p:to>
+                                    </p:set>
+                                    <p:animEffect transition="in" filter="fade">
+                                      <p:cBhvr>
+                                        <p:cTn id="36" dur="500"/>
+                                        <p:tgtEl>
+                                          <p:spTgt spid="73"/>
+                                        </p:tgtEl>
+                                      </p:cBhvr>
+                                    </p:animEffect>
+                                  </p:childTnLst>
+                                </p:cTn>
+                              </p:par>
+                              <p:par>
+                                <p:cTn id="37" presetID="10" presetClass="entr" presetSubtype="0" fill="hold" nodeType="withEffect">
+                                  <p:stCondLst>
+                                    <p:cond delay="0"/>
+                                  </p:stCondLst>
+                                  <p:childTnLst>
+                                    <p:set>
+                                      <p:cBhvr>
+                                        <p:cTn id="38" dur="1" fill="hold">
+                                          <p:stCondLst>
+                                            <p:cond delay="0"/>
+                                          </p:stCondLst>
+                                        </p:cTn>
+                                        <p:tgtEl>
+                                          <p:spTgt spid="72"/>
+                                        </p:tgtEl>
+                                        <p:attrNameLst>
+                                          <p:attrName>style.visibility</p:attrName>
+                                        </p:attrNameLst>
+                                      </p:cBhvr>
+                                      <p:to>
+                                        <p:strVal val="visible"/>
+                                      </p:to>
+                                    </p:set>
+                                    <p:animEffect transition="in" filter="fade">
+                                      <p:cBhvr>
+                                        <p:cTn id="39" dur="500"/>
+                                        <p:tgtEl>
+                                          <p:spTgt spid="72"/>
+                                        </p:tgtEl>
+                                      </p:cBhvr>
+                                    </p:animEffect>
+                                  </p:childTnLst>
+                                </p:cTn>
+                              </p:par>
+                              <p:par>
+                                <p:cTn id="40" presetID="10" presetClass="entr" presetSubtype="0" fill="hold" nodeType="withEffect">
+                                  <p:stCondLst>
+                                    <p:cond delay="0"/>
+                                  </p:stCondLst>
+                                  <p:childTnLst>
+                                    <p:set>
+                                      <p:cBhvr>
+                                        <p:cTn id="41" dur="1" fill="hold">
+                                          <p:stCondLst>
+                                            <p:cond delay="0"/>
+                                          </p:stCondLst>
+                                        </p:cTn>
+                                        <p:tgtEl>
+                                          <p:spTgt spid="70"/>
+                                        </p:tgtEl>
+                                        <p:attrNameLst>
+                                          <p:attrName>style.visibility</p:attrName>
+                                        </p:attrNameLst>
+                                      </p:cBhvr>
+                                      <p:to>
+                                        <p:strVal val="visible"/>
+                                      </p:to>
+                                    </p:set>
+                                    <p:animEffect transition="in" filter="fade">
+                                      <p:cBhvr>
+                                        <p:cTn id="42" dur="500"/>
+                                        <p:tgtEl>
+                                          <p:spTgt spid="70"/>
+                                        </p:tgtEl>
+                                      </p:cBhvr>
+                                    </p:animEffect>
+                                  </p:childTnLst>
+                                </p:cTn>
+                              </p:par>
+                              <p:par>
+                                <p:cTn id="43" presetID="10" presetClass="entr" presetSubtype="0" fill="hold" nodeType="withEffect">
+                                  <p:stCondLst>
+                                    <p:cond delay="0"/>
+                                  </p:stCondLst>
+                                  <p:childTnLst>
+                                    <p:set>
+                                      <p:cBhvr>
+                                        <p:cTn id="44" dur="1" fill="hold">
+                                          <p:stCondLst>
+                                            <p:cond delay="0"/>
+                                          </p:stCondLst>
+                                        </p:cTn>
+                                        <p:tgtEl>
+                                          <p:spTgt spid="74"/>
+                                        </p:tgtEl>
+                                        <p:attrNameLst>
+                                          <p:attrName>style.visibility</p:attrName>
+                                        </p:attrNameLst>
+                                      </p:cBhvr>
+                                      <p:to>
+                                        <p:strVal val="visible"/>
+                                      </p:to>
+                                    </p:set>
+                                    <p:animEffect transition="in" filter="fade">
+                                      <p:cBhvr>
+                                        <p:cTn id="45" dur="500"/>
+                                        <p:tgtEl>
+                                          <p:spTgt spid="74"/>
+                                        </p:tgtEl>
+                                      </p:cBhvr>
+                                    </p:animEffect>
+                                  </p:childTnLst>
+                                </p:cTn>
+                              </p:par>
+                            </p:childTnLst>
+                          </p:cTn>
+                        </p:par>
+                      </p:childTnLst>
+                    </p:cTn>
+                  </p:par>
+                </p:childTnLst>
+              </p:cTn>
+              <p:prevCondLst>
+                <p:cond evt="onPrev" delay="0">
+                  <p:tgtEl>
+                    <p:sldTgt/>
+                  </p:tgtEl>
+                </p:cond>
+              </p:prevCondLst>
+              <p:nextCondLst>
+                <p:cond evt="onNext" delay="0">
+                  <p:tgtEl>
+                    <p:sldTgt/>
+                  </p:tgtEl>
+                </p:cond>
+              </p:nextCondLst>
+            </p:seq>
+          </p:childTnLst>
+        </p:cTn>
       </p:par>
     </p:tnLst>
   </p:timing>
@@ -5900,7 +7472,11 @@
           <a:p>
             <a:r>
               <a:rPr lang="en-US" dirty="0" smtClean="0"/>
-              <a:t>Example: earthquakes</a:t>
+              <a:t>Example: </a:t>
+            </a:r>
+            <a:r>
+              <a:rPr lang="en-US" dirty="0" smtClean="0"/>
+              <a:t>WEATHER GRID</a:t>
             </a:r>
             <a:endParaRPr lang="en-US" dirty="0"/>
           </a:p>
@@ -6186,7 +7762,15 @@
           <a:p>
             <a:r>
               <a:rPr lang="en-US" dirty="0" smtClean="0"/>
-              <a:t>What is the chance that a potential earthquake could damage that nuclear power </a:t>
+              <a:t>What is the chance that a potential </a:t>
+            </a:r>
+            <a:r>
+              <a:rPr lang="en-US" dirty="0" smtClean="0"/>
+              <a:t>hurricane </a:t>
+            </a:r>
+            <a:r>
+              <a:rPr lang="en-US" dirty="0" smtClean="0"/>
+              <a:t>could damage that nuclear power </a:t>
             </a:r>
             <a:r>
               <a:rPr lang="en-US" dirty="0"/>
@@ -6254,9 +7838,249 @@
   <p:timing>
     <p:tnLst>
       <p:par>
-        <p:cTn id="1" dur="indefinite" restart="never" nodeType="tmRoot"/>
+        <p:cTn id="1" dur="indefinite" restart="never" nodeType="tmRoot">
+          <p:childTnLst>
+            <p:seq concurrent="1" nextAc="seek">
+              <p:cTn id="2" dur="indefinite" nodeType="mainSeq">
+                <p:childTnLst>
+                  <p:par>
+                    <p:cTn id="3" fill="hold">
+                      <p:stCondLst>
+                        <p:cond delay="indefinite"/>
+                      </p:stCondLst>
+                      <p:childTnLst>
+                        <p:par>
+                          <p:cTn id="4" fill="hold">
+                            <p:stCondLst>
+                              <p:cond delay="0"/>
+                            </p:stCondLst>
+                            <p:childTnLst>
+                              <p:par>
+                                <p:cTn id="5" presetID="14" presetClass="entr" presetSubtype="10" fill="hold" grpId="0" nodeType="clickEffect">
+                                  <p:stCondLst>
+                                    <p:cond delay="0"/>
+                                  </p:stCondLst>
+                                  <p:childTnLst>
+                                    <p:set>
+                                      <p:cBhvr>
+                                        <p:cTn id="6" dur="1" fill="hold">
+                                          <p:stCondLst>
+                                            <p:cond delay="0"/>
+                                          </p:stCondLst>
+                                        </p:cTn>
+                                        <p:tgtEl>
+                                          <p:spTgt spid="7"/>
+                                        </p:tgtEl>
+                                        <p:attrNameLst>
+                                          <p:attrName>style.visibility</p:attrName>
+                                        </p:attrNameLst>
+                                      </p:cBhvr>
+                                      <p:to>
+                                        <p:strVal val="visible"/>
+                                      </p:to>
+                                    </p:set>
+                                    <p:animEffect transition="in" filter="randombar(horizontal)">
+                                      <p:cBhvr>
+                                        <p:cTn id="7" dur="500"/>
+                                        <p:tgtEl>
+                                          <p:spTgt spid="7"/>
+                                        </p:tgtEl>
+                                      </p:cBhvr>
+                                    </p:animEffect>
+                                  </p:childTnLst>
+                                </p:cTn>
+                              </p:par>
+                              <p:par>
+                                <p:cTn id="8" presetID="14" presetClass="entr" presetSubtype="10" fill="hold" grpId="0" nodeType="withEffect">
+                                  <p:stCondLst>
+                                    <p:cond delay="0"/>
+                                  </p:stCondLst>
+                                  <p:childTnLst>
+                                    <p:set>
+                                      <p:cBhvr>
+                                        <p:cTn id="9" dur="1" fill="hold">
+                                          <p:stCondLst>
+                                            <p:cond delay="0"/>
+                                          </p:stCondLst>
+                                        </p:cTn>
+                                        <p:tgtEl>
+                                          <p:spTgt spid="10"/>
+                                        </p:tgtEl>
+                                        <p:attrNameLst>
+                                          <p:attrName>style.visibility</p:attrName>
+                                        </p:attrNameLst>
+                                      </p:cBhvr>
+                                      <p:to>
+                                        <p:strVal val="visible"/>
+                                      </p:to>
+                                    </p:set>
+                                    <p:animEffect transition="in" filter="randombar(horizontal)">
+                                      <p:cBhvr>
+                                        <p:cTn id="10" dur="500"/>
+                                        <p:tgtEl>
+                                          <p:spTgt spid="10"/>
+                                        </p:tgtEl>
+                                      </p:cBhvr>
+                                    </p:animEffect>
+                                  </p:childTnLst>
+                                </p:cTn>
+                              </p:par>
+                              <p:par>
+                                <p:cTn id="11" presetID="14" presetClass="entr" presetSubtype="10" fill="hold" grpId="0" nodeType="withEffect">
+                                  <p:stCondLst>
+                                    <p:cond delay="0"/>
+                                  </p:stCondLst>
+                                  <p:childTnLst>
+                                    <p:set>
+                                      <p:cBhvr>
+                                        <p:cTn id="12" dur="1" fill="hold">
+                                          <p:stCondLst>
+                                            <p:cond delay="0"/>
+                                          </p:stCondLst>
+                                        </p:cTn>
+                                        <p:tgtEl>
+                                          <p:spTgt spid="8"/>
+                                        </p:tgtEl>
+                                        <p:attrNameLst>
+                                          <p:attrName>style.visibility</p:attrName>
+                                        </p:attrNameLst>
+                                      </p:cBhvr>
+                                      <p:to>
+                                        <p:strVal val="visible"/>
+                                      </p:to>
+                                    </p:set>
+                                    <p:animEffect transition="in" filter="randombar(horizontal)">
+                                      <p:cBhvr>
+                                        <p:cTn id="13" dur="500"/>
+                                        <p:tgtEl>
+                                          <p:spTgt spid="8"/>
+                                        </p:tgtEl>
+                                      </p:cBhvr>
+                                    </p:animEffect>
+                                  </p:childTnLst>
+                                </p:cTn>
+                              </p:par>
+                              <p:par>
+                                <p:cTn id="14" presetID="14" presetClass="entr" presetSubtype="10" fill="hold" grpId="0" nodeType="withEffect">
+                                  <p:stCondLst>
+                                    <p:cond delay="0"/>
+                                  </p:stCondLst>
+                                  <p:childTnLst>
+                                    <p:set>
+                                      <p:cBhvr>
+                                        <p:cTn id="15" dur="1" fill="hold">
+                                          <p:stCondLst>
+                                            <p:cond delay="0"/>
+                                          </p:stCondLst>
+                                        </p:cTn>
+                                        <p:tgtEl>
+                                          <p:spTgt spid="9"/>
+                                        </p:tgtEl>
+                                        <p:attrNameLst>
+                                          <p:attrName>style.visibility</p:attrName>
+                                        </p:attrNameLst>
+                                      </p:cBhvr>
+                                      <p:to>
+                                        <p:strVal val="visible"/>
+                                      </p:to>
+                                    </p:set>
+                                    <p:animEffect transition="in" filter="randombar(horizontal)">
+                                      <p:cBhvr>
+                                        <p:cTn id="16" dur="500"/>
+                                        <p:tgtEl>
+                                          <p:spTgt spid="9"/>
+                                        </p:tgtEl>
+                                      </p:cBhvr>
+                                    </p:animEffect>
+                                  </p:childTnLst>
+                                </p:cTn>
+                              </p:par>
+                            </p:childTnLst>
+                          </p:cTn>
+                        </p:par>
+                      </p:childTnLst>
+                    </p:cTn>
+                  </p:par>
+                  <p:par>
+                    <p:cTn id="17" fill="hold">
+                      <p:stCondLst>
+                        <p:cond delay="indefinite"/>
+                      </p:stCondLst>
+                      <p:childTnLst>
+                        <p:par>
+                          <p:cTn id="18" fill="hold">
+                            <p:stCondLst>
+                              <p:cond delay="0"/>
+                            </p:stCondLst>
+                            <p:childTnLst>
+                              <p:par>
+                                <p:cTn id="19" presetID="10" presetClass="entr" presetSubtype="0" fill="hold" nodeType="clickEffect">
+                                  <p:stCondLst>
+                                    <p:cond delay="0"/>
+                                  </p:stCondLst>
+                                  <p:childTnLst>
+                                    <p:set>
+                                      <p:cBhvr>
+                                        <p:cTn id="20" dur="1" fill="hold">
+                                          <p:stCondLst>
+                                            <p:cond delay="0"/>
+                                          </p:stCondLst>
+                                        </p:cTn>
+                                        <p:tgtEl>
+                                          <p:spTgt spid="11"/>
+                                        </p:tgtEl>
+                                        <p:attrNameLst>
+                                          <p:attrName>style.visibility</p:attrName>
+                                        </p:attrNameLst>
+                                      </p:cBhvr>
+                                      <p:to>
+                                        <p:strVal val="visible"/>
+                                      </p:to>
+                                    </p:set>
+                                    <p:animEffect transition="in" filter="fade">
+                                      <p:cBhvr>
+                                        <p:cTn id="21" dur="500"/>
+                                        <p:tgtEl>
+                                          <p:spTgt spid="11"/>
+                                        </p:tgtEl>
+                                      </p:cBhvr>
+                                    </p:animEffect>
+                                  </p:childTnLst>
+                                </p:cTn>
+                              </p:par>
+                            </p:childTnLst>
+                          </p:cTn>
+                        </p:par>
+                      </p:childTnLst>
+                    </p:cTn>
+                  </p:par>
+                </p:childTnLst>
+              </p:cTn>
+              <p:prevCondLst>
+                <p:cond evt="onPrev" delay="0">
+                  <p:tgtEl>
+                    <p:sldTgt/>
+                  </p:tgtEl>
+                </p:cond>
+              </p:prevCondLst>
+              <p:nextCondLst>
+                <p:cond evt="onNext" delay="0">
+                  <p:tgtEl>
+                    <p:sldTgt/>
+                  </p:tgtEl>
+                </p:cond>
+              </p:nextCondLst>
+            </p:seq>
+          </p:childTnLst>
+        </p:cTn>
       </p:par>
     </p:tnLst>
+    <p:bldLst>
+      <p:bldP spid="7" grpId="0" animBg="1"/>
+      <p:bldP spid="8" grpId="0" animBg="1"/>
+      <p:bldP spid="9" grpId="0" animBg="1"/>
+      <p:bldP spid="10" grpId="0" animBg="1"/>
+    </p:bldLst>
   </p:timing>
 </p:sld>
 </file>
@@ -6389,6 +8213,263 @@
           </a:p>
         </p:txBody>
       </p:sp>
+      <p:sp>
+        <p:nvSpPr>
+          <p:cNvPr id="5" name="Oval 4"/>
+          <p:cNvSpPr/>
+          <p:nvPr/>
+        </p:nvSpPr>
+        <p:spPr>
+          <a:xfrm>
+            <a:off x="2967337" y="1364554"/>
+            <a:ext cx="2198671" cy="2129631"/>
+          </a:xfrm>
+          <a:prstGeom prst="ellipse">
+            <a:avLst/>
+          </a:prstGeom>
+          <a:solidFill>
+            <a:srgbClr val="7030A0">
+              <a:alpha val="38000"/>
+            </a:srgbClr>
+          </a:solidFill>
+        </p:spPr>
+        <p:style>
+          <a:lnRef idx="2">
+            <a:schemeClr val="accent1">
+              <a:shade val="50000"/>
+            </a:schemeClr>
+          </a:lnRef>
+          <a:fillRef idx="1">
+            <a:schemeClr val="accent1"/>
+          </a:fillRef>
+          <a:effectRef idx="0">
+            <a:schemeClr val="accent1"/>
+          </a:effectRef>
+          <a:fontRef idx="minor">
+            <a:schemeClr val="lt1"/>
+          </a:fontRef>
+        </p:style>
+        <p:txBody>
+          <a:bodyPr rtlCol="0" anchor="ctr"/>
+          <a:lstStyle/>
+          <a:p>
+            <a:pPr algn="ctr"/>
+            <a:endParaRPr lang="en-US"/>
+          </a:p>
+        </p:txBody>
+      </p:sp>
+      <p:sp>
+        <p:nvSpPr>
+          <p:cNvPr id="6" name="Oval 5"/>
+          <p:cNvSpPr/>
+          <p:nvPr/>
+        </p:nvSpPr>
+        <p:spPr>
+          <a:xfrm>
+            <a:off x="9298112" y="1136342"/>
+            <a:ext cx="2774024" cy="2921950"/>
+          </a:xfrm>
+          <a:prstGeom prst="ellipse">
+            <a:avLst/>
+          </a:prstGeom>
+          <a:solidFill>
+            <a:schemeClr val="accent2">
+              <a:alpha val="38000"/>
+            </a:schemeClr>
+          </a:solidFill>
+        </p:spPr>
+        <p:style>
+          <a:lnRef idx="2">
+            <a:schemeClr val="accent1">
+              <a:shade val="50000"/>
+            </a:schemeClr>
+          </a:lnRef>
+          <a:fillRef idx="1">
+            <a:schemeClr val="accent1"/>
+          </a:fillRef>
+          <a:effectRef idx="0">
+            <a:schemeClr val="accent1"/>
+          </a:effectRef>
+          <a:fontRef idx="minor">
+            <a:schemeClr val="lt1"/>
+          </a:fontRef>
+        </p:style>
+        <p:txBody>
+          <a:bodyPr rtlCol="0" anchor="ctr"/>
+          <a:lstStyle/>
+          <a:p>
+            <a:pPr algn="ctr"/>
+            <a:endParaRPr lang="en-US"/>
+          </a:p>
+        </p:txBody>
+      </p:sp>
+      <p:sp>
+        <p:nvSpPr>
+          <p:cNvPr id="7" name="Oval 6"/>
+          <p:cNvSpPr/>
+          <p:nvPr/>
+        </p:nvSpPr>
+        <p:spPr>
+          <a:xfrm>
+            <a:off x="6243081" y="4058292"/>
+            <a:ext cx="3661207" cy="2732402"/>
+          </a:xfrm>
+          <a:prstGeom prst="ellipse">
+            <a:avLst/>
+          </a:prstGeom>
+          <a:solidFill>
+            <a:srgbClr val="0070C0">
+              <a:alpha val="38000"/>
+            </a:srgbClr>
+          </a:solidFill>
+        </p:spPr>
+        <p:style>
+          <a:lnRef idx="2">
+            <a:schemeClr val="accent1">
+              <a:shade val="50000"/>
+            </a:schemeClr>
+          </a:lnRef>
+          <a:fillRef idx="1">
+            <a:schemeClr val="accent1"/>
+          </a:fillRef>
+          <a:effectRef idx="0">
+            <a:schemeClr val="accent1"/>
+          </a:effectRef>
+          <a:fontRef idx="minor">
+            <a:schemeClr val="lt1"/>
+          </a:fontRef>
+        </p:style>
+        <p:txBody>
+          <a:bodyPr rtlCol="0" anchor="ctr"/>
+          <a:lstStyle/>
+          <a:p>
+            <a:pPr algn="ctr"/>
+            <a:endParaRPr lang="en-US"/>
+          </a:p>
+        </p:txBody>
+      </p:sp>
+      <p:cxnSp>
+        <p:nvCxnSpPr>
+          <p:cNvPr id="8" name="Straight Arrow Connector 7"/>
+          <p:cNvCxnSpPr>
+            <a:endCxn id="6" idx="2"/>
+          </p:cNvCxnSpPr>
+          <p:nvPr/>
+        </p:nvCxnSpPr>
+        <p:spPr>
+          <a:xfrm>
+            <a:off x="5166008" y="2429369"/>
+            <a:ext cx="4132104" cy="167948"/>
+          </a:xfrm>
+          <a:prstGeom prst="straightConnector1">
+            <a:avLst/>
+          </a:prstGeom>
+          <a:ln w="114300" cmpd="dbl">
+            <a:solidFill>
+              <a:srgbClr val="C00000"/>
+            </a:solidFill>
+            <a:prstDash val="solid"/>
+            <a:headEnd type="arrow"/>
+            <a:tailEnd type="arrow"/>
+          </a:ln>
+        </p:spPr>
+        <p:style>
+          <a:lnRef idx="1">
+            <a:schemeClr val="accent1"/>
+          </a:lnRef>
+          <a:fillRef idx="0">
+            <a:schemeClr val="accent1"/>
+          </a:fillRef>
+          <a:effectRef idx="0">
+            <a:schemeClr val="accent1"/>
+          </a:effectRef>
+          <a:fontRef idx="minor">
+            <a:schemeClr val="tx1"/>
+          </a:fontRef>
+        </p:style>
+      </p:cxnSp>
+      <p:cxnSp>
+        <p:nvCxnSpPr>
+          <p:cNvPr id="13" name="Straight Arrow Connector 12"/>
+          <p:cNvCxnSpPr>
+            <a:stCxn id="5" idx="5"/>
+            <a:endCxn id="7" idx="1"/>
+          </p:cNvCxnSpPr>
+          <p:nvPr/>
+        </p:nvCxnSpPr>
+        <p:spPr>
+          <a:xfrm>
+            <a:off x="4844020" y="3182308"/>
+            <a:ext cx="1935232" cy="1276135"/>
+          </a:xfrm>
+          <a:prstGeom prst="straightConnector1">
+            <a:avLst/>
+          </a:prstGeom>
+          <a:ln w="114300" cmpd="dbl">
+            <a:solidFill>
+              <a:srgbClr val="C00000"/>
+            </a:solidFill>
+            <a:prstDash val="solid"/>
+            <a:headEnd type="arrow"/>
+            <a:tailEnd type="arrow"/>
+          </a:ln>
+        </p:spPr>
+        <p:style>
+          <a:lnRef idx="1">
+            <a:schemeClr val="accent1"/>
+          </a:lnRef>
+          <a:fillRef idx="0">
+            <a:schemeClr val="accent1"/>
+          </a:fillRef>
+          <a:effectRef idx="0">
+            <a:schemeClr val="accent1"/>
+          </a:effectRef>
+          <a:fontRef idx="minor">
+            <a:schemeClr val="tx1"/>
+          </a:fontRef>
+        </p:style>
+      </p:cxnSp>
+      <p:cxnSp>
+        <p:nvCxnSpPr>
+          <p:cNvPr id="15" name="Straight Arrow Connector 14"/>
+          <p:cNvCxnSpPr>
+            <a:stCxn id="7" idx="7"/>
+            <a:endCxn id="6" idx="3"/>
+          </p:cNvCxnSpPr>
+          <p:nvPr/>
+        </p:nvCxnSpPr>
+        <p:spPr>
+          <a:xfrm flipV="1">
+            <a:off x="9368117" y="3630382"/>
+            <a:ext cx="336241" cy="828061"/>
+          </a:xfrm>
+          <a:prstGeom prst="straightConnector1">
+            <a:avLst/>
+          </a:prstGeom>
+          <a:ln w="114300" cmpd="dbl">
+            <a:solidFill>
+              <a:srgbClr val="C00000"/>
+            </a:solidFill>
+            <a:prstDash val="solid"/>
+            <a:headEnd type="arrow"/>
+            <a:tailEnd type="arrow"/>
+          </a:ln>
+        </p:spPr>
+        <p:style>
+          <a:lnRef idx="1">
+            <a:schemeClr val="accent1"/>
+          </a:lnRef>
+          <a:fillRef idx="0">
+            <a:schemeClr val="accent1"/>
+          </a:fillRef>
+          <a:effectRef idx="0">
+            <a:schemeClr val="accent1"/>
+          </a:effectRef>
+          <a:fontRef idx="minor">
+            <a:schemeClr val="tx1"/>
+          </a:fontRef>
+        </p:style>
+      </p:cxnSp>
     </p:spTree>
     <p:extLst>
       <p:ext uri="{BB962C8B-B14F-4D97-AF65-F5344CB8AC3E}">
@@ -6402,9 +8483,283 @@
   <p:timing>
     <p:tnLst>
       <p:par>
-        <p:cTn id="1" dur="indefinite" restart="never" nodeType="tmRoot"/>
+        <p:cTn id="1" dur="indefinite" restart="never" nodeType="tmRoot">
+          <p:childTnLst>
+            <p:seq concurrent="1" nextAc="seek">
+              <p:cTn id="2" dur="indefinite" nodeType="mainSeq">
+                <p:childTnLst>
+                  <p:par>
+                    <p:cTn id="3" fill="hold">
+                      <p:stCondLst>
+                        <p:cond delay="indefinite"/>
+                      </p:stCondLst>
+                      <p:childTnLst>
+                        <p:par>
+                          <p:cTn id="4" fill="hold">
+                            <p:stCondLst>
+                              <p:cond delay="0"/>
+                            </p:stCondLst>
+                            <p:childTnLst>
+                              <p:par>
+                                <p:cTn id="5" presetID="10" presetClass="entr" presetSubtype="0" fill="hold" grpId="0" nodeType="clickEffect">
+                                  <p:stCondLst>
+                                    <p:cond delay="0"/>
+                                  </p:stCondLst>
+                                  <p:childTnLst>
+                                    <p:set>
+                                      <p:cBhvr>
+                                        <p:cTn id="6" dur="1" fill="hold">
+                                          <p:stCondLst>
+                                            <p:cond delay="0"/>
+                                          </p:stCondLst>
+                                        </p:cTn>
+                                        <p:tgtEl>
+                                          <p:spTgt spid="5"/>
+                                        </p:tgtEl>
+                                        <p:attrNameLst>
+                                          <p:attrName>style.visibility</p:attrName>
+                                        </p:attrNameLst>
+                                      </p:cBhvr>
+                                      <p:to>
+                                        <p:strVal val="visible"/>
+                                      </p:to>
+                                    </p:set>
+                                    <p:animEffect transition="in" filter="fade">
+                                      <p:cBhvr>
+                                        <p:cTn id="7" dur="500"/>
+                                        <p:tgtEl>
+                                          <p:spTgt spid="5"/>
+                                        </p:tgtEl>
+                                      </p:cBhvr>
+                                    </p:animEffect>
+                                  </p:childTnLst>
+                                </p:cTn>
+                              </p:par>
+                              <p:par>
+                                <p:cTn id="8" presetID="10" presetClass="entr" presetSubtype="0" fill="hold" grpId="0" nodeType="withEffect">
+                                  <p:stCondLst>
+                                    <p:cond delay="0"/>
+                                  </p:stCondLst>
+                                  <p:childTnLst>
+                                    <p:set>
+                                      <p:cBhvr>
+                                        <p:cTn id="9" dur="1" fill="hold">
+                                          <p:stCondLst>
+                                            <p:cond delay="0"/>
+                                          </p:stCondLst>
+                                        </p:cTn>
+                                        <p:tgtEl>
+                                          <p:spTgt spid="6"/>
+                                        </p:tgtEl>
+                                        <p:attrNameLst>
+                                          <p:attrName>style.visibility</p:attrName>
+                                        </p:attrNameLst>
+                                      </p:cBhvr>
+                                      <p:to>
+                                        <p:strVal val="visible"/>
+                                      </p:to>
+                                    </p:set>
+                                    <p:animEffect transition="in" filter="fade">
+                                      <p:cBhvr>
+                                        <p:cTn id="10" dur="500"/>
+                                        <p:tgtEl>
+                                          <p:spTgt spid="6"/>
+                                        </p:tgtEl>
+                                      </p:cBhvr>
+                                    </p:animEffect>
+                                  </p:childTnLst>
+                                </p:cTn>
+                              </p:par>
+                              <p:par>
+                                <p:cTn id="11" presetID="10" presetClass="entr" presetSubtype="0" fill="hold" grpId="0" nodeType="withEffect">
+                                  <p:stCondLst>
+                                    <p:cond delay="0"/>
+                                  </p:stCondLst>
+                                  <p:childTnLst>
+                                    <p:set>
+                                      <p:cBhvr>
+                                        <p:cTn id="12" dur="1" fill="hold">
+                                          <p:stCondLst>
+                                            <p:cond delay="0"/>
+                                          </p:stCondLst>
+                                        </p:cTn>
+                                        <p:tgtEl>
+                                          <p:spTgt spid="7"/>
+                                        </p:tgtEl>
+                                        <p:attrNameLst>
+                                          <p:attrName>style.visibility</p:attrName>
+                                        </p:attrNameLst>
+                                      </p:cBhvr>
+                                      <p:to>
+                                        <p:strVal val="visible"/>
+                                      </p:to>
+                                    </p:set>
+                                    <p:animEffect transition="in" filter="fade">
+                                      <p:cBhvr>
+                                        <p:cTn id="13" dur="500"/>
+                                        <p:tgtEl>
+                                          <p:spTgt spid="7"/>
+                                        </p:tgtEl>
+                                      </p:cBhvr>
+                                    </p:animEffect>
+                                  </p:childTnLst>
+                                </p:cTn>
+                              </p:par>
+                            </p:childTnLst>
+                          </p:cTn>
+                        </p:par>
+                      </p:childTnLst>
+                    </p:cTn>
+                  </p:par>
+                  <p:par>
+                    <p:cTn id="14" fill="hold">
+                      <p:stCondLst>
+                        <p:cond delay="indefinite"/>
+                      </p:stCondLst>
+                      <p:childTnLst>
+                        <p:par>
+                          <p:cTn id="15" fill="hold">
+                            <p:stCondLst>
+                              <p:cond delay="0"/>
+                            </p:stCondLst>
+                            <p:childTnLst>
+                              <p:par>
+                                <p:cTn id="16" presetID="10" presetClass="entr" presetSubtype="0" fill="hold" nodeType="clickEffect">
+                                  <p:stCondLst>
+                                    <p:cond delay="0"/>
+                                  </p:stCondLst>
+                                  <p:childTnLst>
+                                    <p:set>
+                                      <p:cBhvr>
+                                        <p:cTn id="17" dur="1" fill="hold">
+                                          <p:stCondLst>
+                                            <p:cond delay="0"/>
+                                          </p:stCondLst>
+                                        </p:cTn>
+                                        <p:tgtEl>
+                                          <p:spTgt spid="8"/>
+                                        </p:tgtEl>
+                                        <p:attrNameLst>
+                                          <p:attrName>style.visibility</p:attrName>
+                                        </p:attrNameLst>
+                                      </p:cBhvr>
+                                      <p:to>
+                                        <p:strVal val="visible"/>
+                                      </p:to>
+                                    </p:set>
+                                    <p:animEffect transition="in" filter="fade">
+                                      <p:cBhvr>
+                                        <p:cTn id="18" dur="500"/>
+                                        <p:tgtEl>
+                                          <p:spTgt spid="8"/>
+                                        </p:tgtEl>
+                                      </p:cBhvr>
+                                    </p:animEffect>
+                                  </p:childTnLst>
+                                </p:cTn>
+                              </p:par>
+                              <p:par>
+                                <p:cTn id="19" presetID="10" presetClass="entr" presetSubtype="0" fill="hold" nodeType="withEffect">
+                                  <p:stCondLst>
+                                    <p:cond delay="0"/>
+                                  </p:stCondLst>
+                                  <p:childTnLst>
+                                    <p:set>
+                                      <p:cBhvr>
+                                        <p:cTn id="20" dur="1" fill="hold">
+                                          <p:stCondLst>
+                                            <p:cond delay="0"/>
+                                          </p:stCondLst>
+                                        </p:cTn>
+                                        <p:tgtEl>
+                                          <p:spTgt spid="13"/>
+                                        </p:tgtEl>
+                                        <p:attrNameLst>
+                                          <p:attrName>style.visibility</p:attrName>
+                                        </p:attrNameLst>
+                                      </p:cBhvr>
+                                      <p:to>
+                                        <p:strVal val="visible"/>
+                                      </p:to>
+                                    </p:set>
+                                    <p:animEffect transition="in" filter="fade">
+                                      <p:cBhvr>
+                                        <p:cTn id="21" dur="500"/>
+                                        <p:tgtEl>
+                                          <p:spTgt spid="13"/>
+                                        </p:tgtEl>
+                                      </p:cBhvr>
+                                    </p:animEffect>
+                                  </p:childTnLst>
+                                </p:cTn>
+                              </p:par>
+                              <p:par>
+                                <p:cTn id="22" presetID="10" presetClass="entr" presetSubtype="0" fill="hold" nodeType="withEffect">
+                                  <p:stCondLst>
+                                    <p:cond delay="0"/>
+                                  </p:stCondLst>
+                                  <p:childTnLst>
+                                    <p:set>
+                                      <p:cBhvr>
+                                        <p:cTn id="23" dur="1" fill="hold">
+                                          <p:stCondLst>
+                                            <p:cond delay="0"/>
+                                          </p:stCondLst>
+                                        </p:cTn>
+                                        <p:tgtEl>
+                                          <p:spTgt spid="15"/>
+                                        </p:tgtEl>
+                                        <p:attrNameLst>
+                                          <p:attrName>style.visibility</p:attrName>
+                                        </p:attrNameLst>
+                                      </p:cBhvr>
+                                      <p:to>
+                                        <p:strVal val="visible"/>
+                                      </p:to>
+                                    </p:set>
+                                    <p:animEffect transition="in" filter="fade">
+                                      <p:cBhvr>
+                                        <p:cTn id="24" dur="500"/>
+                                        <p:tgtEl>
+                                          <p:spTgt spid="15"/>
+                                        </p:tgtEl>
+                                      </p:cBhvr>
+                                    </p:animEffect>
+                                  </p:childTnLst>
+                                </p:cTn>
+                              </p:par>
+                            </p:childTnLst>
+                          </p:cTn>
+                        </p:par>
+                      </p:childTnLst>
+                    </p:cTn>
+                  </p:par>
+                </p:childTnLst>
+              </p:cTn>
+              <p:prevCondLst>
+                <p:cond evt="onPrev" delay="0">
+                  <p:tgtEl>
+                    <p:sldTgt/>
+                  </p:tgtEl>
+                </p:cond>
+              </p:prevCondLst>
+              <p:nextCondLst>
+                <p:cond evt="onNext" delay="0">
+                  <p:tgtEl>
+                    <p:sldTgt/>
+                  </p:tgtEl>
+                </p:cond>
+              </p:nextCondLst>
+            </p:seq>
+          </p:childTnLst>
+        </p:cTn>
       </p:par>
     </p:tnLst>
+    <p:bldLst>
+      <p:bldP spid="5" grpId="0" animBg="1"/>
+      <p:bldP spid="6" grpId="0" animBg="1"/>
+      <p:bldP spid="7" grpId="0" animBg="1"/>
+    </p:bldLst>
   </p:timing>
 </p:sld>
 </file>
@@ -6579,7 +8934,7 @@
         </p:blipFill>
         <p:spPr>
           <a:xfrm>
-            <a:off x="2843120" y="1575694"/>
+            <a:off x="2843119" y="1627810"/>
             <a:ext cx="6293321" cy="4647553"/>
           </a:xfrm>
           <a:prstGeom prst="rect">
@@ -6656,6 +9011,306 @@
           </a:p>
         </p:txBody>
       </p:sp>
+      <p:sp>
+        <p:nvSpPr>
+          <p:cNvPr id="9" name="Oval 8"/>
+          <p:cNvSpPr/>
+          <p:nvPr/>
+        </p:nvSpPr>
+        <p:spPr>
+          <a:xfrm>
+            <a:off x="5680032" y="4849402"/>
+            <a:ext cx="1470781" cy="1402207"/>
+          </a:xfrm>
+          <a:prstGeom prst="ellipse">
+            <a:avLst/>
+          </a:prstGeom>
+          <a:solidFill>
+            <a:srgbClr val="0070C0">
+              <a:alpha val="38000"/>
+            </a:srgbClr>
+          </a:solidFill>
+        </p:spPr>
+        <p:style>
+          <a:lnRef idx="2">
+            <a:schemeClr val="accent1">
+              <a:shade val="50000"/>
+            </a:schemeClr>
+          </a:lnRef>
+          <a:fillRef idx="1">
+            <a:schemeClr val="accent1"/>
+          </a:fillRef>
+          <a:effectRef idx="0">
+            <a:schemeClr val="accent1"/>
+          </a:effectRef>
+          <a:fontRef idx="minor">
+            <a:schemeClr val="lt1"/>
+          </a:fontRef>
+        </p:style>
+        <p:txBody>
+          <a:bodyPr rtlCol="0" anchor="ctr"/>
+          <a:lstStyle/>
+          <a:p>
+            <a:pPr algn="ctr"/>
+            <a:endParaRPr lang="en-US"/>
+          </a:p>
+        </p:txBody>
+      </p:sp>
+      <p:sp>
+        <p:nvSpPr>
+          <p:cNvPr id="10" name="Oval 9"/>
+          <p:cNvSpPr/>
+          <p:nvPr/>
+        </p:nvSpPr>
+        <p:spPr>
+          <a:xfrm>
+            <a:off x="7736441" y="2360788"/>
+            <a:ext cx="1444964" cy="1406388"/>
+          </a:xfrm>
+          <a:prstGeom prst="ellipse">
+            <a:avLst/>
+          </a:prstGeom>
+          <a:solidFill>
+            <a:schemeClr val="accent4">
+              <a:alpha val="38000"/>
+            </a:schemeClr>
+          </a:solidFill>
+        </p:spPr>
+        <p:style>
+          <a:lnRef idx="2">
+            <a:schemeClr val="accent1">
+              <a:shade val="50000"/>
+            </a:schemeClr>
+          </a:lnRef>
+          <a:fillRef idx="1">
+            <a:schemeClr val="accent1"/>
+          </a:fillRef>
+          <a:effectRef idx="0">
+            <a:schemeClr val="accent1"/>
+          </a:effectRef>
+          <a:fontRef idx="minor">
+            <a:schemeClr val="lt1"/>
+          </a:fontRef>
+        </p:style>
+        <p:txBody>
+          <a:bodyPr rtlCol="0" anchor="ctr"/>
+          <a:lstStyle/>
+          <a:p>
+            <a:pPr algn="ctr"/>
+            <a:endParaRPr lang="en-US"/>
+          </a:p>
+        </p:txBody>
+      </p:sp>
+      <p:sp>
+        <p:nvSpPr>
+          <p:cNvPr id="11" name="Oval 10"/>
+          <p:cNvSpPr/>
+          <p:nvPr/>
+        </p:nvSpPr>
+        <p:spPr>
+          <a:xfrm>
+            <a:off x="4525449" y="1806570"/>
+            <a:ext cx="1464331" cy="1347596"/>
+          </a:xfrm>
+          <a:prstGeom prst="ellipse">
+            <a:avLst/>
+          </a:prstGeom>
+          <a:solidFill>
+            <a:schemeClr val="accent2">
+              <a:alpha val="27000"/>
+            </a:schemeClr>
+          </a:solidFill>
+        </p:spPr>
+        <p:style>
+          <a:lnRef idx="2">
+            <a:schemeClr val="accent1">
+              <a:shade val="50000"/>
+            </a:schemeClr>
+          </a:lnRef>
+          <a:fillRef idx="1">
+            <a:schemeClr val="accent1"/>
+          </a:fillRef>
+          <a:effectRef idx="0">
+            <a:schemeClr val="accent1"/>
+          </a:effectRef>
+          <a:fontRef idx="minor">
+            <a:schemeClr val="lt1"/>
+          </a:fontRef>
+        </p:style>
+        <p:txBody>
+          <a:bodyPr rtlCol="0" anchor="ctr"/>
+          <a:lstStyle/>
+          <a:p>
+            <a:pPr algn="ctr"/>
+            <a:endParaRPr lang="en-US"/>
+          </a:p>
+        </p:txBody>
+      </p:sp>
+      <p:pic>
+        <p:nvPicPr>
+          <p:cNvPr id="13" name="Picture 12" descr="Free vector graphic: &lt;strong&gt;Lock&lt;/strong&gt;, Locked, Metal, Protection ..."/>
+          <p:cNvPicPr>
+            <a:picLocks noChangeAspect="1"/>
+          </p:cNvPicPr>
+          <p:nvPr/>
+        </p:nvPicPr>
+        <p:blipFill>
+          <a:blip r:embed="rId3">
+            <a:extLst>
+              <a:ext uri="{28A0092B-C50C-407E-A947-70E740481C1C}">
+                <a14:useLocalDpi xmlns:a14="http://schemas.microsoft.com/office/drawing/2010/main" val="0"/>
+              </a:ext>
+            </a:extLst>
+          </a:blip>
+          <a:stretch>
+            <a:fillRect/>
+          </a:stretch>
+        </p:blipFill>
+        <p:spPr>
+          <a:xfrm>
+            <a:off x="6295429" y="5550505"/>
+            <a:ext cx="472181" cy="612559"/>
+          </a:xfrm>
+          <a:prstGeom prst="rect">
+            <a:avLst/>
+          </a:prstGeom>
+        </p:spPr>
+      </p:pic>
+      <p:pic>
+        <p:nvPicPr>
+          <p:cNvPr id="14" name="Picture 13" descr="Free vector graphic: &lt;strong&gt;Lock&lt;/strong&gt;, Locked, Metal, Protection ..."/>
+          <p:cNvPicPr>
+            <a:picLocks noChangeAspect="1"/>
+          </p:cNvPicPr>
+          <p:nvPr/>
+        </p:nvPicPr>
+        <p:blipFill>
+          <a:blip r:embed="rId3">
+            <a:extLst>
+              <a:ext uri="{28A0092B-C50C-407E-A947-70E740481C1C}">
+                <a14:useLocalDpi xmlns:a14="http://schemas.microsoft.com/office/drawing/2010/main" val="0"/>
+              </a:ext>
+            </a:extLst>
+          </a:blip>
+          <a:stretch>
+            <a:fillRect/>
+          </a:stretch>
+        </p:blipFill>
+        <p:spPr>
+          <a:xfrm>
+            <a:off x="8070090" y="3063982"/>
+            <a:ext cx="472181" cy="612559"/>
+          </a:xfrm>
+          <a:prstGeom prst="rect">
+            <a:avLst/>
+          </a:prstGeom>
+        </p:spPr>
+      </p:pic>
+      <p:pic>
+        <p:nvPicPr>
+          <p:cNvPr id="15" name="Picture 14" descr="Free vector graphic: &lt;strong&gt;Lock&lt;/strong&gt;, Locked, Metal, Protection ..."/>
+          <p:cNvPicPr>
+            <a:picLocks noChangeAspect="1"/>
+          </p:cNvPicPr>
+          <p:nvPr/>
+        </p:nvPicPr>
+        <p:blipFill>
+          <a:blip r:embed="rId3">
+            <a:extLst>
+              <a:ext uri="{28A0092B-C50C-407E-A947-70E740481C1C}">
+                <a14:useLocalDpi xmlns:a14="http://schemas.microsoft.com/office/drawing/2010/main" val="0"/>
+              </a:ext>
+            </a:extLst>
+          </a:blip>
+          <a:stretch>
+            <a:fillRect/>
+          </a:stretch>
+        </p:blipFill>
+        <p:spPr>
+          <a:xfrm>
+            <a:off x="5359665" y="2054508"/>
+            <a:ext cx="472181" cy="612559"/>
+          </a:xfrm>
+          <a:prstGeom prst="rect">
+            <a:avLst/>
+          </a:prstGeom>
+        </p:spPr>
+      </p:pic>
+      <p:sp>
+        <p:nvSpPr>
+          <p:cNvPr id="3" name="Oval 2"/>
+          <p:cNvSpPr/>
+          <p:nvPr/>
+        </p:nvSpPr>
+        <p:spPr>
+          <a:xfrm>
+            <a:off x="2733006" y="3856386"/>
+            <a:ext cx="1456935" cy="1347925"/>
+          </a:xfrm>
+          <a:prstGeom prst="ellipse">
+            <a:avLst/>
+          </a:prstGeom>
+          <a:solidFill>
+            <a:srgbClr val="7030A0">
+              <a:alpha val="38000"/>
+            </a:srgbClr>
+          </a:solidFill>
+        </p:spPr>
+        <p:style>
+          <a:lnRef idx="2">
+            <a:schemeClr val="accent1">
+              <a:shade val="50000"/>
+            </a:schemeClr>
+          </a:lnRef>
+          <a:fillRef idx="1">
+            <a:schemeClr val="accent1"/>
+          </a:fillRef>
+          <a:effectRef idx="0">
+            <a:schemeClr val="accent1"/>
+          </a:effectRef>
+          <a:fontRef idx="minor">
+            <a:schemeClr val="lt1"/>
+          </a:fontRef>
+        </p:style>
+        <p:txBody>
+          <a:bodyPr rtlCol="0" anchor="ctr"/>
+          <a:lstStyle/>
+          <a:p>
+            <a:pPr algn="ctr"/>
+            <a:endParaRPr lang="en-US"/>
+          </a:p>
+        </p:txBody>
+      </p:sp>
+      <p:pic>
+        <p:nvPicPr>
+          <p:cNvPr id="6" name="Picture 5" descr="Free vector graphic: &lt;strong&gt;Lock&lt;/strong&gt;, Locked, Metal, Protection ..."/>
+          <p:cNvPicPr>
+            <a:picLocks noChangeAspect="1"/>
+          </p:cNvPicPr>
+          <p:nvPr/>
+        </p:nvPicPr>
+        <p:blipFill>
+          <a:blip r:embed="rId3">
+            <a:extLst>
+              <a:ext uri="{28A0092B-C50C-407E-A947-70E740481C1C}">
+                <a14:useLocalDpi xmlns:a14="http://schemas.microsoft.com/office/drawing/2010/main" val="0"/>
+              </a:ext>
+            </a:extLst>
+          </a:blip>
+          <a:stretch>
+            <a:fillRect/>
+          </a:stretch>
+        </p:blipFill>
+        <p:spPr>
+          <a:xfrm>
+            <a:off x="3461474" y="4443587"/>
+            <a:ext cx="472181" cy="612559"/>
+          </a:xfrm>
+          <a:prstGeom prst="rect">
+            <a:avLst/>
+          </a:prstGeom>
+        </p:spPr>
+      </p:pic>
     </p:spTree>
     <p:extLst>
       <p:ext uri="{BB962C8B-B14F-4D97-AF65-F5344CB8AC3E}">
@@ -6669,9 +9324,336 @@
   <p:timing>
     <p:tnLst>
       <p:par>
-        <p:cTn id="1" dur="indefinite" restart="never" nodeType="tmRoot"/>
+        <p:cTn id="1" dur="indefinite" restart="never" nodeType="tmRoot">
+          <p:childTnLst>
+            <p:seq concurrent="1" nextAc="seek">
+              <p:cTn id="2" dur="indefinite" nodeType="mainSeq">
+                <p:childTnLst>
+                  <p:par>
+                    <p:cTn id="3" fill="hold">
+                      <p:stCondLst>
+                        <p:cond delay="indefinite"/>
+                      </p:stCondLst>
+                      <p:childTnLst>
+                        <p:par>
+                          <p:cTn id="4" fill="hold">
+                            <p:stCondLst>
+                              <p:cond delay="0"/>
+                            </p:stCondLst>
+                            <p:childTnLst>
+                              <p:par>
+                                <p:cTn id="5" presetID="10" presetClass="entr" presetSubtype="0" fill="hold" nodeType="clickEffect">
+                                  <p:stCondLst>
+                                    <p:cond delay="0"/>
+                                  </p:stCondLst>
+                                  <p:childTnLst>
+                                    <p:set>
+                                      <p:cBhvr>
+                                        <p:cTn id="6" dur="1" fill="hold">
+                                          <p:stCondLst>
+                                            <p:cond delay="0"/>
+                                          </p:stCondLst>
+                                        </p:cTn>
+                                        <p:tgtEl>
+                                          <p:spTgt spid="6"/>
+                                        </p:tgtEl>
+                                        <p:attrNameLst>
+                                          <p:attrName>style.visibility</p:attrName>
+                                        </p:attrNameLst>
+                                      </p:cBhvr>
+                                      <p:to>
+                                        <p:strVal val="visible"/>
+                                      </p:to>
+                                    </p:set>
+                                    <p:animEffect transition="in" filter="fade">
+                                      <p:cBhvr>
+                                        <p:cTn id="7" dur="500"/>
+                                        <p:tgtEl>
+                                          <p:spTgt spid="6"/>
+                                        </p:tgtEl>
+                                      </p:cBhvr>
+                                    </p:animEffect>
+                                  </p:childTnLst>
+                                </p:cTn>
+                              </p:par>
+                              <p:par>
+                                <p:cTn id="8" presetID="10" presetClass="entr" presetSubtype="0" fill="hold" nodeType="withEffect">
+                                  <p:stCondLst>
+                                    <p:cond delay="0"/>
+                                  </p:stCondLst>
+                                  <p:childTnLst>
+                                    <p:set>
+                                      <p:cBhvr>
+                                        <p:cTn id="9" dur="1" fill="hold">
+                                          <p:stCondLst>
+                                            <p:cond delay="0"/>
+                                          </p:stCondLst>
+                                        </p:cTn>
+                                        <p:tgtEl>
+                                          <p:spTgt spid="13"/>
+                                        </p:tgtEl>
+                                        <p:attrNameLst>
+                                          <p:attrName>style.visibility</p:attrName>
+                                        </p:attrNameLst>
+                                      </p:cBhvr>
+                                      <p:to>
+                                        <p:strVal val="visible"/>
+                                      </p:to>
+                                    </p:set>
+                                    <p:animEffect transition="in" filter="fade">
+                                      <p:cBhvr>
+                                        <p:cTn id="10" dur="500"/>
+                                        <p:tgtEl>
+                                          <p:spTgt spid="13"/>
+                                        </p:tgtEl>
+                                      </p:cBhvr>
+                                    </p:animEffect>
+                                  </p:childTnLst>
+                                </p:cTn>
+                              </p:par>
+                              <p:par>
+                                <p:cTn id="11" presetID="10" presetClass="entr" presetSubtype="0" fill="hold" nodeType="withEffect">
+                                  <p:stCondLst>
+                                    <p:cond delay="0"/>
+                                  </p:stCondLst>
+                                  <p:childTnLst>
+                                    <p:set>
+                                      <p:cBhvr>
+                                        <p:cTn id="12" dur="1" fill="hold">
+                                          <p:stCondLst>
+                                            <p:cond delay="0"/>
+                                          </p:stCondLst>
+                                        </p:cTn>
+                                        <p:tgtEl>
+                                          <p:spTgt spid="14"/>
+                                        </p:tgtEl>
+                                        <p:attrNameLst>
+                                          <p:attrName>style.visibility</p:attrName>
+                                        </p:attrNameLst>
+                                      </p:cBhvr>
+                                      <p:to>
+                                        <p:strVal val="visible"/>
+                                      </p:to>
+                                    </p:set>
+                                    <p:animEffect transition="in" filter="fade">
+                                      <p:cBhvr>
+                                        <p:cTn id="13" dur="500"/>
+                                        <p:tgtEl>
+                                          <p:spTgt spid="14"/>
+                                        </p:tgtEl>
+                                      </p:cBhvr>
+                                    </p:animEffect>
+                                  </p:childTnLst>
+                                </p:cTn>
+                              </p:par>
+                              <p:par>
+                                <p:cTn id="14" presetID="10" presetClass="entr" presetSubtype="0" fill="hold" nodeType="withEffect">
+                                  <p:stCondLst>
+                                    <p:cond delay="0"/>
+                                  </p:stCondLst>
+                                  <p:childTnLst>
+                                    <p:set>
+                                      <p:cBhvr>
+                                        <p:cTn id="15" dur="1" fill="hold">
+                                          <p:stCondLst>
+                                            <p:cond delay="0"/>
+                                          </p:stCondLst>
+                                        </p:cTn>
+                                        <p:tgtEl>
+                                          <p:spTgt spid="15"/>
+                                        </p:tgtEl>
+                                        <p:attrNameLst>
+                                          <p:attrName>style.visibility</p:attrName>
+                                        </p:attrNameLst>
+                                      </p:cBhvr>
+                                      <p:to>
+                                        <p:strVal val="visible"/>
+                                      </p:to>
+                                    </p:set>
+                                    <p:animEffect transition="in" filter="fade">
+                                      <p:cBhvr>
+                                        <p:cTn id="16" dur="500"/>
+                                        <p:tgtEl>
+                                          <p:spTgt spid="15"/>
+                                        </p:tgtEl>
+                                      </p:cBhvr>
+                                    </p:animEffect>
+                                  </p:childTnLst>
+                                </p:cTn>
+                              </p:par>
+                              <p:par>
+                                <p:cTn id="17" presetID="10" presetClass="entr" presetSubtype="0" fill="hold" grpId="0" nodeType="withEffect">
+                                  <p:stCondLst>
+                                    <p:cond delay="0"/>
+                                  </p:stCondLst>
+                                  <p:childTnLst>
+                                    <p:set>
+                                      <p:cBhvr>
+                                        <p:cTn id="18" dur="1" fill="hold">
+                                          <p:stCondLst>
+                                            <p:cond delay="0"/>
+                                          </p:stCondLst>
+                                        </p:cTn>
+                                        <p:tgtEl>
+                                          <p:spTgt spid="3"/>
+                                        </p:tgtEl>
+                                        <p:attrNameLst>
+                                          <p:attrName>style.visibility</p:attrName>
+                                        </p:attrNameLst>
+                                      </p:cBhvr>
+                                      <p:to>
+                                        <p:strVal val="visible"/>
+                                      </p:to>
+                                    </p:set>
+                                    <p:animEffect transition="in" filter="fade">
+                                      <p:cBhvr>
+                                        <p:cTn id="19" dur="500"/>
+                                        <p:tgtEl>
+                                          <p:spTgt spid="3"/>
+                                        </p:tgtEl>
+                                      </p:cBhvr>
+                                    </p:animEffect>
+                                  </p:childTnLst>
+                                </p:cTn>
+                              </p:par>
+                              <p:par>
+                                <p:cTn id="20" presetID="10" presetClass="entr" presetSubtype="0" fill="hold" grpId="0" nodeType="withEffect">
+                                  <p:stCondLst>
+                                    <p:cond delay="0"/>
+                                  </p:stCondLst>
+                                  <p:childTnLst>
+                                    <p:set>
+                                      <p:cBhvr>
+                                        <p:cTn id="21" dur="1" fill="hold">
+                                          <p:stCondLst>
+                                            <p:cond delay="0"/>
+                                          </p:stCondLst>
+                                        </p:cTn>
+                                        <p:tgtEl>
+                                          <p:spTgt spid="11"/>
+                                        </p:tgtEl>
+                                        <p:attrNameLst>
+                                          <p:attrName>style.visibility</p:attrName>
+                                        </p:attrNameLst>
+                                      </p:cBhvr>
+                                      <p:to>
+                                        <p:strVal val="visible"/>
+                                      </p:to>
+                                    </p:set>
+                                    <p:animEffect transition="in" filter="fade">
+                                      <p:cBhvr>
+                                        <p:cTn id="22" dur="500"/>
+                                        <p:tgtEl>
+                                          <p:spTgt spid="11"/>
+                                        </p:tgtEl>
+                                      </p:cBhvr>
+                                    </p:animEffect>
+                                  </p:childTnLst>
+                                </p:cTn>
+                              </p:par>
+                              <p:par>
+                                <p:cTn id="23" presetID="10" presetClass="entr" presetSubtype="0" fill="hold" grpId="0" nodeType="withEffect">
+                                  <p:stCondLst>
+                                    <p:cond delay="0"/>
+                                  </p:stCondLst>
+                                  <p:childTnLst>
+                                    <p:set>
+                                      <p:cBhvr>
+                                        <p:cTn id="24" dur="1" fill="hold">
+                                          <p:stCondLst>
+                                            <p:cond delay="0"/>
+                                          </p:stCondLst>
+                                        </p:cTn>
+                                        <p:tgtEl>
+                                          <p:spTgt spid="10"/>
+                                        </p:tgtEl>
+                                        <p:attrNameLst>
+                                          <p:attrName>style.visibility</p:attrName>
+                                        </p:attrNameLst>
+                                      </p:cBhvr>
+                                      <p:to>
+                                        <p:strVal val="visible"/>
+                                      </p:to>
+                                    </p:set>
+                                    <p:animEffect transition="in" filter="fade">
+                                      <p:cBhvr>
+                                        <p:cTn id="25" dur="500"/>
+                                        <p:tgtEl>
+                                          <p:spTgt spid="10"/>
+                                        </p:tgtEl>
+                                      </p:cBhvr>
+                                    </p:animEffect>
+                                  </p:childTnLst>
+                                </p:cTn>
+                              </p:par>
+                              <p:par>
+                                <p:cTn id="26" presetID="10" presetClass="entr" presetSubtype="0" fill="hold" grpId="0" nodeType="withEffect">
+                                  <p:stCondLst>
+                                    <p:cond delay="0"/>
+                                  </p:stCondLst>
+                                  <p:childTnLst>
+                                    <p:set>
+                                      <p:cBhvr>
+                                        <p:cTn id="27" dur="1" fill="hold">
+                                          <p:stCondLst>
+                                            <p:cond delay="0"/>
+                                          </p:stCondLst>
+                                        </p:cTn>
+                                        <p:tgtEl>
+                                          <p:spTgt spid="9"/>
+                                        </p:tgtEl>
+                                        <p:attrNameLst>
+                                          <p:attrName>style.visibility</p:attrName>
+                                        </p:attrNameLst>
+                                      </p:cBhvr>
+                                      <p:to>
+                                        <p:strVal val="visible"/>
+                                      </p:to>
+                                    </p:set>
+                                    <p:animEffect transition="in" filter="fade">
+                                      <p:cBhvr>
+                                        <p:cTn id="28" dur="500"/>
+                                        <p:tgtEl>
+                                          <p:spTgt spid="9"/>
+                                        </p:tgtEl>
+                                      </p:cBhvr>
+                                    </p:animEffect>
+                                  </p:childTnLst>
+                                </p:cTn>
+                              </p:par>
+                            </p:childTnLst>
+                          </p:cTn>
+                        </p:par>
+                      </p:childTnLst>
+                    </p:cTn>
+                  </p:par>
+                </p:childTnLst>
+              </p:cTn>
+              <p:prevCondLst>
+                <p:cond evt="onPrev" delay="0">
+                  <p:tgtEl>
+                    <p:sldTgt/>
+                  </p:tgtEl>
+                </p:cond>
+              </p:prevCondLst>
+              <p:nextCondLst>
+                <p:cond evt="onNext" delay="0">
+                  <p:tgtEl>
+                    <p:sldTgt/>
+                  </p:tgtEl>
+                </p:cond>
+              </p:nextCondLst>
+            </p:seq>
+          </p:childTnLst>
+        </p:cTn>
       </p:par>
     </p:tnLst>
+    <p:bldLst>
+      <p:bldP spid="9" grpId="0" animBg="1"/>
+      <p:bldP spid="10" grpId="0" animBg="1"/>
+      <p:bldP spid="11" grpId="0" animBg="1"/>
+      <p:bldP spid="3" grpId="0" animBg="1"/>
+    </p:bldLst>
   </p:timing>
 </p:sld>
 </file>
